--- a/docs/Help.pptx
+++ b/docs/Help.pptx
@@ -216,7 +216,7 @@
           <a:p>
             <a:fld id="{9629A0FB-7277-41B0-BEC2-EE35F8B0CE39}" type="datetimeFigureOut">
               <a:rPr lang="en-SG" smtClean="0"/>
-              <a:t>24/3/2020</a:t>
+              <a:t>25/3/2020</a:t>
             </a:fld>
             <a:endParaRPr lang="en-SG"/>
           </a:p>
@@ -3828,1245 +3828,1287 @@
           <a:chExt cx="0" cy="0"/>
         </a:xfrm>
       </p:grpSpPr>
-      <p:sp>
-        <p:nvSpPr>
-          <p:cNvPr id="5" name="Line 13"/>
-          <p:cNvSpPr>
-            <a:spLocks noChangeShapeType="1"/>
-          </p:cNvSpPr>
-          <p:nvPr/>
-        </p:nvSpPr>
-        <p:spPr bwMode="auto">
-          <a:xfrm>
-            <a:off x="728768" y="1440950"/>
-            <a:ext cx="10115" cy="3904336"/>
-          </a:xfrm>
-          <a:prstGeom prst="line">
-            <a:avLst/>
-          </a:prstGeom>
-          <a:ln>
-            <a:solidFill>
-              <a:schemeClr val="accent2">
-                <a:lumMod val="60000"/>
-                <a:lumOff val="40000"/>
-              </a:schemeClr>
-            </a:solidFill>
-            <a:prstDash val="sysDash"/>
-            <a:headEnd/>
-            <a:tailEnd/>
-          </a:ln>
-        </p:spPr>
-        <p:style>
-          <a:lnRef idx="2">
-            <a:schemeClr val="accent4"/>
-          </a:lnRef>
-          <a:fillRef idx="0">
-            <a:schemeClr val="accent4"/>
-          </a:fillRef>
-          <a:effectRef idx="1">
-            <a:schemeClr val="accent4"/>
-          </a:effectRef>
-          <a:fontRef idx="minor">
-            <a:schemeClr val="tx1"/>
-          </a:fontRef>
-        </p:style>
-        <p:txBody>
-          <a:bodyPr/>
-          <a:lstStyle/>
-          <a:p>
-            <a:pPr defTabSz="872733"/>
-            <a:endParaRPr lang="en-US" sz="1500">
-              <a:solidFill>
-                <a:prstClr val="black"/>
-              </a:solidFill>
-            </a:endParaRPr>
-          </a:p>
-        </p:txBody>
-      </p:sp>
-      <p:sp>
-        <p:nvSpPr>
-          <p:cNvPr id="6" name="Text Box 11"/>
-          <p:cNvSpPr txBox="1">
-            <a:spLocks noChangeArrowheads="1"/>
-          </p:cNvSpPr>
-          <p:nvPr/>
-        </p:nvSpPr>
-        <p:spPr bwMode="auto">
-          <a:xfrm>
-            <a:off x="2571683" y="1515750"/>
-            <a:ext cx="967275" cy="600164"/>
-          </a:xfrm>
-          <a:prstGeom prst="rect">
-            <a:avLst/>
-          </a:prstGeom>
-          <a:solidFill>
-            <a:schemeClr val="accent4">
-              <a:lumMod val="40000"/>
-              <a:lumOff val="60000"/>
-            </a:schemeClr>
-          </a:solidFill>
-          <a:ln w="19050">
-            <a:solidFill>
-              <a:schemeClr val="accent4">
-                <a:lumMod val="75000"/>
-              </a:schemeClr>
-            </a:solidFill>
-            <a:headEnd/>
-            <a:tailEnd/>
-          </a:ln>
-        </p:spPr>
-        <p:style>
-          <a:lnRef idx="1">
-            <a:schemeClr val="accent4"/>
-          </a:lnRef>
-          <a:fillRef idx="2">
-            <a:schemeClr val="accent4"/>
-          </a:fillRef>
-          <a:effectRef idx="1">
-            <a:schemeClr val="accent4"/>
-          </a:effectRef>
-          <a:fontRef idx="minor">
-            <a:schemeClr val="dk1"/>
-          </a:fontRef>
-        </p:style>
-        <p:txBody>
-          <a:bodyPr wrap="square" tIns="182880" bIns="182880">
-            <a:spAutoFit/>
-          </a:bodyPr>
-          <a:lstStyle/>
-          <a:p>
-            <a:pPr algn="ctr" defTabSz="872733">
-              <a:spcBef>
-                <a:spcPct val="50000"/>
-              </a:spcBef>
-              <a:buFont typeface="Wingdings" pitchFamily="2" charset="2"/>
-              <a:buNone/>
-            </a:pPr>
-            <a:r>
-              <a:rPr lang="en-US" sz="1500" dirty="0">
-                <a:solidFill>
-                  <a:prstClr val="black"/>
-                </a:solidFill>
-              </a:rPr>
-              <a:t>:Parser</a:t>
-            </a:r>
-          </a:p>
-        </p:txBody>
-      </p:sp>
-      <p:sp>
-        <p:nvSpPr>
-          <p:cNvPr id="17" name="Rectangle 16"/>
-          <p:cNvSpPr/>
-          <p:nvPr/>
-        </p:nvSpPr>
-        <p:spPr>
-          <a:xfrm>
-            <a:off x="603890" y="1721228"/>
-            <a:ext cx="225619" cy="3348432"/>
-          </a:xfrm>
-          <a:prstGeom prst="rect">
-            <a:avLst/>
-          </a:prstGeom>
-          <a:solidFill>
-            <a:schemeClr val="accent2">
-              <a:lumMod val="40000"/>
-              <a:lumOff val="60000"/>
-            </a:schemeClr>
-          </a:solidFill>
-          <a:ln>
-            <a:solidFill>
-              <a:schemeClr val="accent2">
-                <a:lumMod val="60000"/>
-                <a:lumOff val="40000"/>
-              </a:schemeClr>
-            </a:solidFill>
-          </a:ln>
-        </p:spPr>
-        <p:style>
-          <a:lnRef idx="2">
-            <a:schemeClr val="accent4"/>
-          </a:lnRef>
-          <a:fillRef idx="1">
-            <a:schemeClr val="lt1"/>
-          </a:fillRef>
-          <a:effectRef idx="0">
-            <a:schemeClr val="accent4"/>
-          </a:effectRef>
-          <a:fontRef idx="minor">
-            <a:schemeClr val="dk1"/>
-          </a:fontRef>
-        </p:style>
-        <p:txBody>
-          <a:bodyPr rtlCol="0" anchor="ctr"/>
-          <a:lstStyle/>
-          <a:p>
-            <a:pPr algn="ctr" defTabSz="872733"/>
-            <a:endParaRPr lang="en-US" sz="1500">
-              <a:solidFill>
-                <a:prstClr val="black"/>
-              </a:solidFill>
-            </a:endParaRPr>
-          </a:p>
-        </p:txBody>
-      </p:sp>
-      <p:sp>
-        <p:nvSpPr>
-          <p:cNvPr id="18" name="Text Box 11"/>
-          <p:cNvSpPr txBox="1">
-            <a:spLocks noChangeArrowheads="1"/>
-          </p:cNvSpPr>
-          <p:nvPr/>
-        </p:nvSpPr>
-        <p:spPr bwMode="auto">
-          <a:xfrm>
-            <a:off x="5065650" y="2812540"/>
-            <a:ext cx="1596653" cy="600164"/>
-          </a:xfrm>
-          <a:prstGeom prst="rect">
-            <a:avLst/>
-          </a:prstGeom>
-          <a:ln w="19050">
-            <a:headEnd/>
-            <a:tailEnd/>
-          </a:ln>
-        </p:spPr>
-        <p:style>
-          <a:lnRef idx="1">
-            <a:schemeClr val="accent3"/>
-          </a:lnRef>
-          <a:fillRef idx="2">
-            <a:schemeClr val="accent3"/>
-          </a:fillRef>
-          <a:effectRef idx="1">
-            <a:schemeClr val="accent3"/>
-          </a:effectRef>
-          <a:fontRef idx="minor">
-            <a:schemeClr val="dk1"/>
-          </a:fontRef>
-        </p:style>
-        <p:txBody>
-          <a:bodyPr wrap="square" tIns="182880" bIns="182880">
-            <a:spAutoFit/>
-          </a:bodyPr>
-          <a:lstStyle/>
-          <a:p>
-            <a:pPr algn="ctr" defTabSz="872733">
-              <a:spcBef>
-                <a:spcPct val="50000"/>
-              </a:spcBef>
-              <a:buFont typeface="Wingdings" pitchFamily="2" charset="2"/>
-              <a:buNone/>
-            </a:pPr>
-            <a:r>
-              <a:rPr lang="en-US" sz="1500" dirty="0">
-                <a:solidFill>
-                  <a:prstClr val="black"/>
-                </a:solidFill>
-              </a:rPr>
-              <a:t>:</a:t>
-            </a:r>
-            <a:r>
-              <a:rPr lang="en-US" sz="1500" dirty="0" err="1">
-                <a:solidFill>
-                  <a:prstClr val="black"/>
-                </a:solidFill>
-              </a:rPr>
-              <a:t>HelpCommand</a:t>
-            </a:r>
-            <a:endParaRPr lang="en-US" sz="1500" dirty="0">
-              <a:solidFill>
-                <a:prstClr val="black"/>
-              </a:solidFill>
-            </a:endParaRPr>
-          </a:p>
-        </p:txBody>
-      </p:sp>
-      <p:sp>
-        <p:nvSpPr>
-          <p:cNvPr id="19" name="Line 13"/>
-          <p:cNvSpPr>
-            <a:spLocks noChangeShapeType="1"/>
-          </p:cNvSpPr>
-          <p:nvPr/>
-        </p:nvSpPr>
-        <p:spPr bwMode="auto">
-          <a:xfrm flipH="1">
-            <a:off x="3018095" y="2137789"/>
-            <a:ext cx="8589" cy="1590924"/>
-          </a:xfrm>
-          <a:prstGeom prst="line">
-            <a:avLst/>
-          </a:prstGeom>
-          <a:ln>
-            <a:solidFill>
-              <a:schemeClr val="accent4">
-                <a:lumMod val="75000"/>
-              </a:schemeClr>
-            </a:solidFill>
-            <a:prstDash val="sysDash"/>
-            <a:headEnd/>
-            <a:tailEnd/>
-          </a:ln>
-        </p:spPr>
-        <p:style>
-          <a:lnRef idx="2">
-            <a:schemeClr val="accent4"/>
-          </a:lnRef>
-          <a:fillRef idx="0">
-            <a:schemeClr val="accent4"/>
-          </a:fillRef>
-          <a:effectRef idx="1">
-            <a:schemeClr val="accent4"/>
-          </a:effectRef>
-          <a:fontRef idx="minor">
-            <a:schemeClr val="tx1"/>
-          </a:fontRef>
-        </p:style>
-        <p:txBody>
-          <a:bodyPr/>
-          <a:lstStyle/>
-          <a:p>
-            <a:pPr defTabSz="872733"/>
-            <a:endParaRPr lang="en-US" sz="1500" dirty="0">
-              <a:solidFill>
-                <a:prstClr val="black"/>
-              </a:solidFill>
-            </a:endParaRPr>
-          </a:p>
-        </p:txBody>
-      </p:sp>
-      <p:sp>
-        <p:nvSpPr>
-          <p:cNvPr id="20" name="Line 15"/>
-          <p:cNvSpPr>
-            <a:spLocks noChangeShapeType="1"/>
-          </p:cNvSpPr>
-          <p:nvPr/>
-        </p:nvSpPr>
-        <p:spPr bwMode="auto">
-          <a:xfrm flipV="1">
-            <a:off x="823868" y="1898263"/>
-            <a:ext cx="1747815" cy="12191"/>
-          </a:xfrm>
-          <a:prstGeom prst="line">
-            <a:avLst/>
-          </a:prstGeom>
-          <a:noFill/>
-          <a:ln w="19050">
-            <a:solidFill>
-              <a:srgbClr val="7030A0"/>
-            </a:solidFill>
-            <a:round/>
-            <a:headEnd/>
-            <a:tailEnd type="triangle" w="lg" len="lg"/>
-          </a:ln>
-        </p:spPr>
-        <p:txBody>
-          <a:bodyPr/>
-          <a:lstStyle/>
-          <a:p>
-            <a:pPr defTabSz="872733"/>
-            <a:endParaRPr lang="en-US" sz="1500">
-              <a:solidFill>
-                <a:prstClr val="black"/>
-              </a:solidFill>
-            </a:endParaRPr>
-          </a:p>
-        </p:txBody>
-      </p:sp>
-      <p:sp>
-        <p:nvSpPr>
-          <p:cNvPr id="24" name="Line 15"/>
-          <p:cNvSpPr>
-            <a:spLocks noChangeShapeType="1"/>
-          </p:cNvSpPr>
-          <p:nvPr/>
-        </p:nvSpPr>
-        <p:spPr bwMode="auto">
-          <a:xfrm flipV="1">
-            <a:off x="3194466" y="3121220"/>
-            <a:ext cx="1871184" cy="18880"/>
-          </a:xfrm>
-          <a:prstGeom prst="line">
-            <a:avLst/>
-          </a:prstGeom>
-          <a:noFill/>
-          <a:ln w="19050">
-            <a:solidFill>
-              <a:schemeClr val="accent3">
-                <a:lumMod val="75000"/>
-              </a:schemeClr>
-            </a:solidFill>
-            <a:round/>
-            <a:headEnd/>
-            <a:tailEnd type="triangle" w="lg" len="lg"/>
-          </a:ln>
-        </p:spPr>
-        <p:txBody>
-          <a:bodyPr/>
-          <a:lstStyle/>
-          <a:p>
-            <a:pPr defTabSz="872733"/>
-            <a:endParaRPr lang="en-US" sz="1500">
-              <a:solidFill>
-                <a:prstClr val="black"/>
-              </a:solidFill>
-            </a:endParaRPr>
-          </a:p>
-        </p:txBody>
-      </p:sp>
-      <p:sp>
-        <p:nvSpPr>
-          <p:cNvPr id="25" name="Text Box 25"/>
-          <p:cNvSpPr txBox="1">
-            <a:spLocks noChangeArrowheads="1"/>
-          </p:cNvSpPr>
-          <p:nvPr/>
-        </p:nvSpPr>
-        <p:spPr bwMode="auto">
-          <a:xfrm>
-            <a:off x="808004" y="2320801"/>
-            <a:ext cx="2500554" cy="323165"/>
-          </a:xfrm>
-          <a:prstGeom prst="rect">
-            <a:avLst/>
-          </a:prstGeom>
-          <a:noFill/>
-          <a:ln w="12700" algn="ctr">
-            <a:noFill/>
-            <a:miter lim="800000"/>
-            <a:headEnd/>
-            <a:tailEnd/>
-          </a:ln>
-        </p:spPr>
-        <p:txBody>
-          <a:bodyPr wrap="square">
-            <a:spAutoFit/>
-          </a:bodyPr>
-          <a:lstStyle/>
-          <a:p>
-            <a:pPr defTabSz="872733">
-              <a:spcBef>
-                <a:spcPct val="50000"/>
-              </a:spcBef>
-              <a:buFont typeface="Wingdings" pitchFamily="2" charset="2"/>
-              <a:buNone/>
-            </a:pPr>
-            <a:r>
-              <a:rPr lang="en-US" sz="1500" i="1" dirty="0" err="1"/>
-              <a:t>parseCommand</a:t>
-            </a:r>
-            <a:r>
-              <a:rPr lang="en-US" sz="1500" i="1" dirty="0"/>
-              <a:t>(</a:t>
-            </a:r>
-            <a:r>
-              <a:rPr lang="en-US" sz="1500" i="1" dirty="0" err="1"/>
-              <a:t>userInput</a:t>
-            </a:r>
-            <a:r>
-              <a:rPr lang="en-US" sz="1500" i="1" dirty="0"/>
-              <a:t>)</a:t>
-            </a:r>
-          </a:p>
-        </p:txBody>
-      </p:sp>
-      <p:sp>
-        <p:nvSpPr>
-          <p:cNvPr id="29" name="Text Box 25"/>
-          <p:cNvSpPr txBox="1">
-            <a:spLocks noChangeArrowheads="1"/>
-          </p:cNvSpPr>
-          <p:nvPr/>
-        </p:nvSpPr>
-        <p:spPr bwMode="auto">
-          <a:xfrm>
-            <a:off x="965943" y="3019896"/>
-            <a:ext cx="1710047" cy="553998"/>
-          </a:xfrm>
-          <a:prstGeom prst="rect">
-            <a:avLst/>
-          </a:prstGeom>
-          <a:noFill/>
-          <a:ln w="12700" algn="ctr">
-            <a:noFill/>
-            <a:miter lim="800000"/>
-            <a:headEnd/>
-            <a:tailEnd/>
-          </a:ln>
-        </p:spPr>
-        <p:txBody>
-          <a:bodyPr wrap="square">
-            <a:spAutoFit/>
-          </a:bodyPr>
-          <a:lstStyle/>
-          <a:p>
-            <a:pPr defTabSz="872733">
-              <a:spcBef>
-                <a:spcPct val="50000"/>
-              </a:spcBef>
-              <a:buFont typeface="Wingdings" pitchFamily="2" charset="2"/>
-              <a:buNone/>
-            </a:pPr>
-            <a:r>
-              <a:rPr lang="en-US" sz="1500" i="1" dirty="0"/>
-              <a:t>return reference to </a:t>
-            </a:r>
-            <a:r>
-              <a:rPr lang="en-US" sz="1500" i="1" dirty="0" err="1"/>
-              <a:t>HelpCommand</a:t>
-            </a:r>
-            <a:endParaRPr lang="en-US" sz="1500" i="1" dirty="0"/>
-          </a:p>
-        </p:txBody>
-      </p:sp>
-      <p:sp>
-        <p:nvSpPr>
-          <p:cNvPr id="33" name="Line 13"/>
-          <p:cNvSpPr>
-            <a:spLocks noChangeShapeType="1"/>
-          </p:cNvSpPr>
-          <p:nvPr/>
-        </p:nvSpPr>
-        <p:spPr bwMode="auto">
-          <a:xfrm flipH="1">
-            <a:off x="5843365" y="3396473"/>
-            <a:ext cx="4560" cy="1893221"/>
-          </a:xfrm>
-          <a:prstGeom prst="line">
-            <a:avLst/>
-          </a:prstGeom>
-          <a:ln>
-            <a:solidFill>
-              <a:schemeClr val="accent3">
-                <a:lumMod val="75000"/>
-              </a:schemeClr>
-            </a:solidFill>
-            <a:prstDash val="sysDash"/>
-            <a:headEnd/>
-            <a:tailEnd/>
-          </a:ln>
-        </p:spPr>
-        <p:style>
-          <a:lnRef idx="2">
-            <a:schemeClr val="accent4"/>
-          </a:lnRef>
-          <a:fillRef idx="0">
-            <a:schemeClr val="accent4"/>
-          </a:fillRef>
-          <a:effectRef idx="1">
-            <a:schemeClr val="accent4"/>
-          </a:effectRef>
-          <a:fontRef idx="minor">
-            <a:schemeClr val="tx1"/>
-          </a:fontRef>
-        </p:style>
-        <p:txBody>
-          <a:bodyPr/>
-          <a:lstStyle/>
-          <a:p>
-            <a:pPr defTabSz="872733"/>
-            <a:endParaRPr lang="en-US" sz="1500">
-              <a:solidFill>
-                <a:prstClr val="black"/>
-              </a:solidFill>
-            </a:endParaRPr>
-          </a:p>
-        </p:txBody>
-      </p:sp>
-      <p:sp>
-        <p:nvSpPr>
-          <p:cNvPr id="34" name="Line 15"/>
-          <p:cNvSpPr>
-            <a:spLocks noChangeShapeType="1"/>
-          </p:cNvSpPr>
-          <p:nvPr/>
-        </p:nvSpPr>
-        <p:spPr bwMode="auto">
-          <a:xfrm flipV="1">
-            <a:off x="863760" y="2696243"/>
-            <a:ext cx="2040971" cy="1"/>
-          </a:xfrm>
-          <a:prstGeom prst="line">
-            <a:avLst/>
-          </a:prstGeom>
-          <a:noFill/>
-          <a:ln w="19050">
-            <a:solidFill>
-              <a:srgbClr val="7030A0"/>
-            </a:solidFill>
-            <a:round/>
-            <a:headEnd/>
-            <a:tailEnd type="triangle" w="lg" len="lg"/>
-          </a:ln>
-        </p:spPr>
-        <p:txBody>
-          <a:bodyPr/>
-          <a:lstStyle/>
-          <a:p>
-            <a:pPr defTabSz="872733"/>
-            <a:endParaRPr lang="en-US" sz="1500">
-              <a:solidFill>
-                <a:prstClr val="black"/>
-              </a:solidFill>
-            </a:endParaRPr>
-          </a:p>
-        </p:txBody>
-      </p:sp>
-      <p:sp>
-        <p:nvSpPr>
-          <p:cNvPr id="38" name="Text Box 25"/>
-          <p:cNvSpPr txBox="1">
-            <a:spLocks noChangeArrowheads="1"/>
-          </p:cNvSpPr>
-          <p:nvPr/>
-        </p:nvSpPr>
-        <p:spPr bwMode="auto">
-          <a:xfrm>
-            <a:off x="1211846" y="1581835"/>
-            <a:ext cx="1182981" cy="323165"/>
-          </a:xfrm>
-          <a:prstGeom prst="rect">
-            <a:avLst/>
-          </a:prstGeom>
-          <a:noFill/>
-          <a:ln w="12700" algn="ctr">
-            <a:noFill/>
-            <a:miter lim="800000"/>
-            <a:headEnd/>
-            <a:tailEnd/>
-          </a:ln>
-        </p:spPr>
-        <p:txBody>
-          <a:bodyPr wrap="square">
-            <a:spAutoFit/>
-          </a:bodyPr>
-          <a:lstStyle/>
-          <a:p>
-            <a:pPr defTabSz="872733">
-              <a:spcBef>
-                <a:spcPct val="50000"/>
-              </a:spcBef>
-              <a:buFont typeface="Wingdings" pitchFamily="2" charset="2"/>
-              <a:buNone/>
-            </a:pPr>
-            <a:r>
-              <a:rPr lang="en-US" sz="1500" i="1" dirty="0"/>
-              <a:t>Parser()</a:t>
-            </a:r>
-          </a:p>
-        </p:txBody>
-      </p:sp>
-      <p:sp>
-        <p:nvSpPr>
-          <p:cNvPr id="40" name="Rectangle 39"/>
-          <p:cNvSpPr/>
-          <p:nvPr/>
-        </p:nvSpPr>
-        <p:spPr>
-          <a:xfrm>
-            <a:off x="5717684" y="4066313"/>
-            <a:ext cx="251361" cy="878804"/>
-          </a:xfrm>
-          <a:prstGeom prst="rect">
-            <a:avLst/>
-          </a:prstGeom>
-          <a:solidFill>
-            <a:schemeClr val="accent3">
-              <a:lumMod val="20000"/>
-              <a:lumOff val="80000"/>
-            </a:schemeClr>
-          </a:solidFill>
-          <a:ln>
-            <a:solidFill>
-              <a:schemeClr val="accent3">
-                <a:lumMod val="75000"/>
-              </a:schemeClr>
-            </a:solidFill>
-          </a:ln>
-        </p:spPr>
-        <p:style>
-          <a:lnRef idx="2">
-            <a:schemeClr val="accent4"/>
-          </a:lnRef>
-          <a:fillRef idx="1">
-            <a:schemeClr val="lt1"/>
-          </a:fillRef>
-          <a:effectRef idx="0">
-            <a:schemeClr val="accent4"/>
-          </a:effectRef>
-          <a:fontRef idx="minor">
-            <a:schemeClr val="dk1"/>
-          </a:fontRef>
-        </p:style>
-        <p:txBody>
-          <a:bodyPr rtlCol="0" anchor="ctr"/>
-          <a:lstStyle/>
-          <a:p>
-            <a:pPr algn="ctr" defTabSz="872733"/>
-            <a:endParaRPr lang="en-US" sz="1500">
-              <a:solidFill>
-                <a:prstClr val="black"/>
-              </a:solidFill>
-            </a:endParaRPr>
-          </a:p>
-        </p:txBody>
-      </p:sp>
-      <p:sp>
-        <p:nvSpPr>
-          <p:cNvPr id="43" name="Text Box 11">
+      <p:grpSp>
+        <p:nvGrpSpPr>
+          <p:cNvPr id="3" name="Group 2">
             <a:extLst>
               <a:ext uri="{FF2B5EF4-FFF2-40B4-BE49-F238E27FC236}">
-                <a16:creationId xmlns:a16="http://schemas.microsoft.com/office/drawing/2014/main" id="{79ACA4C9-9678-4611-AE49-25FE7CAE8B35}"/>
+                <a16:creationId xmlns:a16="http://schemas.microsoft.com/office/drawing/2014/main" id="{4CC64057-0151-4FBF-9C5A-4F3F265600B7}"/>
               </a:ext>
             </a:extLst>
           </p:cNvPr>
-          <p:cNvSpPr txBox="1">
-            <a:spLocks noChangeArrowheads="1"/>
-          </p:cNvSpPr>
+          <p:cNvGrpSpPr/>
           <p:nvPr/>
-        </p:nvSpPr>
-        <p:spPr bwMode="auto">
+        </p:nvGrpSpPr>
+        <p:grpSpPr>
           <a:xfrm>
-            <a:off x="117858" y="798625"/>
-            <a:ext cx="1295400" cy="600164"/>
+            <a:off x="1075555" y="798625"/>
+            <a:ext cx="6544445" cy="4679293"/>
+            <a:chOff x="117858" y="798625"/>
+            <a:chExt cx="6544445" cy="4679293"/>
           </a:xfrm>
-          <a:prstGeom prst="rect">
-            <a:avLst/>
-          </a:prstGeom>
-          <a:solidFill>
-            <a:schemeClr val="accent2">
-              <a:lumMod val="40000"/>
-              <a:lumOff val="60000"/>
-            </a:schemeClr>
-          </a:solidFill>
-          <a:ln w="19050">
+        </p:grpSpPr>
+        <p:sp>
+          <p:nvSpPr>
+            <p:cNvPr id="43" name="Text Box 11">
+              <a:extLst>
+                <a:ext uri="{FF2B5EF4-FFF2-40B4-BE49-F238E27FC236}">
+                  <a16:creationId xmlns:a16="http://schemas.microsoft.com/office/drawing/2014/main" id="{79ACA4C9-9678-4611-AE49-25FE7CAE8B35}"/>
+                </a:ext>
+              </a:extLst>
+            </p:cNvPr>
+            <p:cNvSpPr txBox="1">
+              <a:spLocks noChangeArrowheads="1"/>
+            </p:cNvSpPr>
+            <p:nvPr/>
+          </p:nvSpPr>
+          <p:spPr bwMode="auto">
+            <a:xfrm>
+              <a:off x="117858" y="798625"/>
+              <a:ext cx="1295400" cy="600164"/>
+            </a:xfrm>
+            <a:prstGeom prst="rect">
+              <a:avLst/>
+            </a:prstGeom>
             <a:solidFill>
               <a:schemeClr val="accent2">
-                <a:lumMod val="60000"/>
-                <a:lumOff val="40000"/>
+                <a:lumMod val="40000"/>
+                <a:lumOff val="60000"/>
               </a:schemeClr>
             </a:solidFill>
-            <a:headEnd/>
-            <a:tailEnd/>
-          </a:ln>
-        </p:spPr>
-        <p:style>
-          <a:lnRef idx="1">
-            <a:schemeClr val="accent4"/>
-          </a:lnRef>
-          <a:fillRef idx="2">
-            <a:schemeClr val="accent4"/>
-          </a:fillRef>
-          <a:effectRef idx="1">
-            <a:schemeClr val="accent4"/>
-          </a:effectRef>
-          <a:fontRef idx="minor">
-            <a:schemeClr val="dk1"/>
-          </a:fontRef>
-        </p:style>
-        <p:txBody>
-          <a:bodyPr tIns="182880" bIns="182880">
-            <a:spAutoFit/>
-          </a:bodyPr>
-          <a:lstStyle/>
-          <a:p>
-            <a:pPr algn="ctr" defTabSz="872733">
-              <a:spcBef>
-                <a:spcPct val="50000"/>
-              </a:spcBef>
-              <a:buFont typeface="Wingdings" pitchFamily="2" charset="2"/>
-              <a:buNone/>
-            </a:pPr>
-            <a:r>
-              <a:rPr lang="en-US" sz="1500" dirty="0">
+            <a:ln w="19050">
+              <a:solidFill>
+                <a:schemeClr val="accent2">
+                  <a:lumMod val="60000"/>
+                  <a:lumOff val="40000"/>
+                </a:schemeClr>
+              </a:solidFill>
+              <a:headEnd/>
+              <a:tailEnd/>
+            </a:ln>
+          </p:spPr>
+          <p:style>
+            <a:lnRef idx="1">
+              <a:schemeClr val="accent4"/>
+            </a:lnRef>
+            <a:fillRef idx="2">
+              <a:schemeClr val="accent4"/>
+            </a:fillRef>
+            <a:effectRef idx="1">
+              <a:schemeClr val="accent4"/>
+            </a:effectRef>
+            <a:fontRef idx="minor">
+              <a:schemeClr val="dk1"/>
+            </a:fontRef>
+          </p:style>
+          <p:txBody>
+            <a:bodyPr tIns="182880" bIns="182880">
+              <a:spAutoFit/>
+            </a:bodyPr>
+            <a:lstStyle/>
+            <a:p>
+              <a:pPr algn="ctr" defTabSz="872733">
+                <a:spcBef>
+                  <a:spcPct val="50000"/>
+                </a:spcBef>
+                <a:buFont typeface="Wingdings" pitchFamily="2" charset="2"/>
+                <a:buNone/>
+              </a:pPr>
+              <a:r>
+                <a:rPr lang="en-US" sz="1500" dirty="0">
+                  <a:solidFill>
+                    <a:prstClr val="black"/>
+                  </a:solidFill>
+                </a:rPr>
+                <a:t>:Duke</a:t>
+              </a:r>
+            </a:p>
+          </p:txBody>
+        </p:sp>
+        <p:cxnSp>
+          <p:nvCxnSpPr>
+            <p:cNvPr id="54" name="Straight Connector 53">
+              <a:extLst>
+                <a:ext uri="{FF2B5EF4-FFF2-40B4-BE49-F238E27FC236}">
+                  <a16:creationId xmlns:a16="http://schemas.microsoft.com/office/drawing/2014/main" id="{BB6AEF2A-70C0-4C86-ACC0-ED4823D6AC46}"/>
+                </a:ext>
+              </a:extLst>
+            </p:cNvPr>
+            <p:cNvCxnSpPr/>
+            <p:nvPr/>
+          </p:nvCxnSpPr>
+          <p:spPr>
+            <a:xfrm rot="16200000" flipV="1">
+              <a:off x="5698544" y="5196333"/>
+              <a:ext cx="284430" cy="267655"/>
+            </a:xfrm>
+            <a:prstGeom prst="line">
+              <a:avLst/>
+            </a:prstGeom>
+            <a:ln w="19050">
+              <a:solidFill>
+                <a:schemeClr val="accent3">
+                  <a:lumMod val="75000"/>
+                </a:schemeClr>
+              </a:solidFill>
+            </a:ln>
+          </p:spPr>
+          <p:style>
+            <a:lnRef idx="1">
+              <a:schemeClr val="accent1"/>
+            </a:lnRef>
+            <a:fillRef idx="0">
+              <a:schemeClr val="accent1"/>
+            </a:fillRef>
+            <a:effectRef idx="0">
+              <a:schemeClr val="accent1"/>
+            </a:effectRef>
+            <a:fontRef idx="minor">
+              <a:schemeClr val="tx1"/>
+            </a:fontRef>
+          </p:style>
+        </p:cxnSp>
+        <p:cxnSp>
+          <p:nvCxnSpPr>
+            <p:cNvPr id="55" name="Straight Connector 54">
+              <a:extLst>
+                <a:ext uri="{FF2B5EF4-FFF2-40B4-BE49-F238E27FC236}">
+                  <a16:creationId xmlns:a16="http://schemas.microsoft.com/office/drawing/2014/main" id="{9664B067-90B9-447F-947E-62F78A316229}"/>
+                </a:ext>
+              </a:extLst>
+            </p:cNvPr>
+            <p:cNvCxnSpPr/>
+            <p:nvPr/>
+          </p:nvCxnSpPr>
+          <p:spPr>
+            <a:xfrm rot="5400000">
+              <a:off x="5691954" y="5200827"/>
+              <a:ext cx="288175" cy="266007"/>
+            </a:xfrm>
+            <a:prstGeom prst="line">
+              <a:avLst/>
+            </a:prstGeom>
+            <a:ln w="19050">
+              <a:solidFill>
+                <a:schemeClr val="accent3">
+                  <a:lumMod val="75000"/>
+                </a:schemeClr>
+              </a:solidFill>
+            </a:ln>
+          </p:spPr>
+          <p:style>
+            <a:lnRef idx="1">
+              <a:schemeClr val="accent1"/>
+            </a:lnRef>
+            <a:fillRef idx="0">
+              <a:schemeClr val="accent1"/>
+            </a:fillRef>
+            <a:effectRef idx="0">
+              <a:schemeClr val="accent1"/>
+            </a:effectRef>
+            <a:fontRef idx="minor">
+              <a:schemeClr val="tx1"/>
+            </a:fontRef>
+          </p:style>
+        </p:cxnSp>
+        <p:grpSp>
+          <p:nvGrpSpPr>
+            <p:cNvPr id="2" name="Group 1">
+              <a:extLst>
+                <a:ext uri="{FF2B5EF4-FFF2-40B4-BE49-F238E27FC236}">
+                  <a16:creationId xmlns:a16="http://schemas.microsoft.com/office/drawing/2014/main" id="{797FFE45-D938-45AF-90EF-1FD1A99AD39B}"/>
+                </a:ext>
+              </a:extLst>
+            </p:cNvPr>
+            <p:cNvGrpSpPr/>
+            <p:nvPr/>
+          </p:nvGrpSpPr>
+          <p:grpSpPr>
+            <a:xfrm>
+              <a:off x="603890" y="1440950"/>
+              <a:ext cx="6058413" cy="3904336"/>
+              <a:chOff x="603890" y="1440950"/>
+              <a:chExt cx="6058413" cy="3904336"/>
+            </a:xfrm>
+          </p:grpSpPr>
+          <p:sp>
+            <p:nvSpPr>
+              <p:cNvPr id="5" name="Line 13"/>
+              <p:cNvSpPr>
+                <a:spLocks noChangeShapeType="1"/>
+              </p:cNvSpPr>
+              <p:nvPr/>
+            </p:nvSpPr>
+            <p:spPr bwMode="auto">
+              <a:xfrm>
+                <a:off x="728768" y="1440950"/>
+                <a:ext cx="10115" cy="3904336"/>
+              </a:xfrm>
+              <a:prstGeom prst="line">
+                <a:avLst/>
+              </a:prstGeom>
+              <a:ln>
                 <a:solidFill>
-                  <a:prstClr val="black"/>
+                  <a:schemeClr val="accent2">
+                    <a:lumMod val="60000"/>
+                    <a:lumOff val="40000"/>
+                  </a:schemeClr>
                 </a:solidFill>
-              </a:rPr>
-              <a:t>:Duke</a:t>
-            </a:r>
-          </a:p>
-        </p:txBody>
-      </p:sp>
-      <p:sp>
-        <p:nvSpPr>
-          <p:cNvPr id="44" name="Rectangle 43">
-            <a:extLst>
-              <a:ext uri="{FF2B5EF4-FFF2-40B4-BE49-F238E27FC236}">
-                <a16:creationId xmlns:a16="http://schemas.microsoft.com/office/drawing/2014/main" id="{1ABAE2EE-0C6F-40C9-9F83-C6E45146189B}"/>
-              </a:ext>
-            </a:extLst>
-          </p:cNvPr>
-          <p:cNvSpPr/>
-          <p:nvPr/>
-        </p:nvSpPr>
-        <p:spPr>
-          <a:xfrm>
-            <a:off x="2888219" y="2698465"/>
-            <a:ext cx="286905" cy="893938"/>
-          </a:xfrm>
-          <a:prstGeom prst="rect">
-            <a:avLst/>
-          </a:prstGeom>
-          <a:solidFill>
-            <a:schemeClr val="accent4">
-              <a:lumMod val="40000"/>
-              <a:lumOff val="60000"/>
-            </a:schemeClr>
-          </a:solidFill>
-          <a:ln>
-            <a:solidFill>
-              <a:schemeClr val="accent4">
-                <a:lumMod val="75000"/>
-              </a:schemeClr>
-            </a:solidFill>
-          </a:ln>
-        </p:spPr>
-        <p:style>
-          <a:lnRef idx="2">
-            <a:schemeClr val="accent4"/>
-          </a:lnRef>
-          <a:fillRef idx="1">
-            <a:schemeClr val="lt1"/>
-          </a:fillRef>
-          <a:effectRef idx="0">
-            <a:schemeClr val="accent4"/>
-          </a:effectRef>
-          <a:fontRef idx="minor">
-            <a:schemeClr val="dk1"/>
-          </a:fontRef>
-        </p:style>
-        <p:txBody>
-          <a:bodyPr rtlCol="0" anchor="ctr"/>
-          <a:lstStyle/>
-          <a:p>
-            <a:pPr algn="ctr" defTabSz="872733"/>
-            <a:endParaRPr lang="en-US" sz="1500">
+                <a:prstDash val="sysDash"/>
+                <a:headEnd/>
+                <a:tailEnd/>
+              </a:ln>
+            </p:spPr>
+            <p:style>
+              <a:lnRef idx="2">
+                <a:schemeClr val="accent4"/>
+              </a:lnRef>
+              <a:fillRef idx="0">
+                <a:schemeClr val="accent4"/>
+              </a:fillRef>
+              <a:effectRef idx="1">
+                <a:schemeClr val="accent4"/>
+              </a:effectRef>
+              <a:fontRef idx="minor">
+                <a:schemeClr val="tx1"/>
+              </a:fontRef>
+            </p:style>
+            <p:txBody>
+              <a:bodyPr/>
+              <a:lstStyle/>
+              <a:p>
+                <a:pPr defTabSz="872733"/>
+                <a:endParaRPr lang="en-US" sz="1500">
+                  <a:solidFill>
+                    <a:prstClr val="black"/>
+                  </a:solidFill>
+                </a:endParaRPr>
+              </a:p>
+            </p:txBody>
+          </p:sp>
+          <p:sp>
+            <p:nvSpPr>
+              <p:cNvPr id="6" name="Text Box 11"/>
+              <p:cNvSpPr txBox="1">
+                <a:spLocks noChangeArrowheads="1"/>
+              </p:cNvSpPr>
+              <p:nvPr/>
+            </p:nvSpPr>
+            <p:spPr bwMode="auto">
+              <a:xfrm>
+                <a:off x="2571683" y="1515750"/>
+                <a:ext cx="967275" cy="600164"/>
+              </a:xfrm>
+              <a:prstGeom prst="rect">
+                <a:avLst/>
+              </a:prstGeom>
               <a:solidFill>
-                <a:prstClr val="black"/>
+                <a:schemeClr val="accent4">
+                  <a:lumMod val="40000"/>
+                  <a:lumOff val="60000"/>
+                </a:schemeClr>
               </a:solidFill>
-            </a:endParaRPr>
-          </a:p>
-        </p:txBody>
-      </p:sp>
-      <p:sp>
-        <p:nvSpPr>
-          <p:cNvPr id="45" name="Line 15">
-            <a:extLst>
-              <a:ext uri="{FF2B5EF4-FFF2-40B4-BE49-F238E27FC236}">
-                <a16:creationId xmlns:a16="http://schemas.microsoft.com/office/drawing/2014/main" id="{0EB24DA8-2498-4853-AED4-3458A81C456A}"/>
-              </a:ext>
-            </a:extLst>
-          </p:cNvPr>
-          <p:cNvSpPr>
-            <a:spLocks noChangeShapeType="1"/>
-          </p:cNvSpPr>
-          <p:nvPr/>
-        </p:nvSpPr>
-        <p:spPr bwMode="auto">
-          <a:xfrm>
-            <a:off x="875317" y="4066311"/>
-            <a:ext cx="4877422" cy="12839"/>
-          </a:xfrm>
-          <a:prstGeom prst="line">
-            <a:avLst/>
-          </a:prstGeom>
-          <a:noFill/>
-          <a:ln w="19050">
-            <a:solidFill>
-              <a:schemeClr val="accent3">
-                <a:lumMod val="75000"/>
-              </a:schemeClr>
-            </a:solidFill>
-            <a:round/>
-            <a:headEnd/>
-            <a:tailEnd type="triangle" w="lg" len="lg"/>
-          </a:ln>
-        </p:spPr>
-        <p:txBody>
-          <a:bodyPr/>
-          <a:lstStyle/>
-          <a:p>
-            <a:pPr defTabSz="872733"/>
-            <a:endParaRPr lang="en-US" sz="1500">
+              <a:ln w="19050">
+                <a:solidFill>
+                  <a:schemeClr val="accent4">
+                    <a:lumMod val="75000"/>
+                  </a:schemeClr>
+                </a:solidFill>
+                <a:headEnd/>
+                <a:tailEnd/>
+              </a:ln>
+            </p:spPr>
+            <p:style>
+              <a:lnRef idx="1">
+                <a:schemeClr val="accent4"/>
+              </a:lnRef>
+              <a:fillRef idx="2">
+                <a:schemeClr val="accent4"/>
+              </a:fillRef>
+              <a:effectRef idx="1">
+                <a:schemeClr val="accent4"/>
+              </a:effectRef>
+              <a:fontRef idx="minor">
+                <a:schemeClr val="dk1"/>
+              </a:fontRef>
+            </p:style>
+            <p:txBody>
+              <a:bodyPr wrap="square" tIns="182880" bIns="182880">
+                <a:spAutoFit/>
+              </a:bodyPr>
+              <a:lstStyle/>
+              <a:p>
+                <a:pPr algn="ctr" defTabSz="872733">
+                  <a:spcBef>
+                    <a:spcPct val="50000"/>
+                  </a:spcBef>
+                  <a:buFont typeface="Wingdings" pitchFamily="2" charset="2"/>
+                  <a:buNone/>
+                </a:pPr>
+                <a:r>
+                  <a:rPr lang="en-US" sz="1500" dirty="0">
+                    <a:solidFill>
+                      <a:prstClr val="black"/>
+                    </a:solidFill>
+                  </a:rPr>
+                  <a:t>:Parser</a:t>
+                </a:r>
+              </a:p>
+            </p:txBody>
+          </p:sp>
+          <p:sp>
+            <p:nvSpPr>
+              <p:cNvPr id="17" name="Rectangle 16"/>
+              <p:cNvSpPr/>
+              <p:nvPr/>
+            </p:nvSpPr>
+            <p:spPr>
+              <a:xfrm>
+                <a:off x="603890" y="1721228"/>
+                <a:ext cx="225619" cy="3348432"/>
+              </a:xfrm>
+              <a:prstGeom prst="rect">
+                <a:avLst/>
+              </a:prstGeom>
               <a:solidFill>
-                <a:prstClr val="black"/>
+                <a:schemeClr val="accent2">
+                  <a:lumMod val="40000"/>
+                  <a:lumOff val="60000"/>
+                </a:schemeClr>
               </a:solidFill>
-            </a:endParaRPr>
-          </a:p>
-        </p:txBody>
-      </p:sp>
-      <p:sp>
-        <p:nvSpPr>
-          <p:cNvPr id="47" name="Text Box 25">
-            <a:extLst>
-              <a:ext uri="{FF2B5EF4-FFF2-40B4-BE49-F238E27FC236}">
-                <a16:creationId xmlns:a16="http://schemas.microsoft.com/office/drawing/2014/main" id="{342B431E-151F-4A55-A1AE-57F6FE56D1EF}"/>
-              </a:ext>
-            </a:extLst>
-          </p:cNvPr>
-          <p:cNvSpPr txBox="1">
-            <a:spLocks noChangeArrowheads="1"/>
-          </p:cNvSpPr>
-          <p:nvPr/>
-        </p:nvSpPr>
-        <p:spPr bwMode="auto">
-          <a:xfrm>
-            <a:off x="3174259" y="2826789"/>
-            <a:ext cx="2084117" cy="323165"/>
-          </a:xfrm>
-          <a:prstGeom prst="rect">
-            <a:avLst/>
-          </a:prstGeom>
-          <a:noFill/>
-          <a:ln w="12700" algn="ctr">
-            <a:noFill/>
-            <a:miter lim="800000"/>
-            <a:headEnd/>
-            <a:tailEnd/>
-          </a:ln>
-        </p:spPr>
-        <p:txBody>
-          <a:bodyPr wrap="square">
-            <a:spAutoFit/>
-          </a:bodyPr>
-          <a:lstStyle/>
-          <a:p>
-            <a:pPr defTabSz="872733">
-              <a:spcBef>
-                <a:spcPct val="50000"/>
-              </a:spcBef>
-              <a:buFont typeface="Wingdings" pitchFamily="2" charset="2"/>
-              <a:buNone/>
-            </a:pPr>
-            <a:r>
-              <a:rPr lang="en-US" sz="1500" i="1" dirty="0" err="1"/>
-              <a:t>HelpCommand</a:t>
-            </a:r>
-            <a:r>
-              <a:rPr lang="en-US" sz="1500" i="1" dirty="0"/>
-              <a:t>()</a:t>
-            </a:r>
-          </a:p>
-        </p:txBody>
-      </p:sp>
-      <p:sp>
-        <p:nvSpPr>
-          <p:cNvPr id="48" name="Line 16">
-            <a:extLst>
-              <a:ext uri="{FF2B5EF4-FFF2-40B4-BE49-F238E27FC236}">
-                <a16:creationId xmlns:a16="http://schemas.microsoft.com/office/drawing/2014/main" id="{5278BFBC-6FA4-432C-994E-8DD2A55ED046}"/>
-              </a:ext>
-            </a:extLst>
-          </p:cNvPr>
-          <p:cNvSpPr>
-            <a:spLocks noChangeShapeType="1"/>
-          </p:cNvSpPr>
-          <p:nvPr/>
-        </p:nvSpPr>
-        <p:spPr bwMode="auto">
-          <a:xfrm flipH="1">
-            <a:off x="852246" y="3573169"/>
-            <a:ext cx="2016629" cy="7945"/>
-          </a:xfrm>
-          <a:prstGeom prst="line">
-            <a:avLst/>
-          </a:prstGeom>
-          <a:noFill/>
-          <a:ln w="19050">
-            <a:solidFill>
-              <a:schemeClr val="accent4"/>
-            </a:solidFill>
-            <a:prstDash val="sysDash"/>
-            <a:round/>
-            <a:headEnd/>
-            <a:tailEnd type="triangle" w="lg" len="lg"/>
-          </a:ln>
-        </p:spPr>
-        <p:txBody>
-          <a:bodyPr/>
-          <a:lstStyle/>
-          <a:p>
-            <a:pPr defTabSz="872733"/>
-            <a:endParaRPr lang="en-US" sz="1500">
+              <a:ln>
+                <a:solidFill>
+                  <a:schemeClr val="accent2">
+                    <a:lumMod val="60000"/>
+                    <a:lumOff val="40000"/>
+                  </a:schemeClr>
+                </a:solidFill>
+              </a:ln>
+            </p:spPr>
+            <p:style>
+              <a:lnRef idx="2">
+                <a:schemeClr val="accent4"/>
+              </a:lnRef>
+              <a:fillRef idx="1">
+                <a:schemeClr val="lt1"/>
+              </a:fillRef>
+              <a:effectRef idx="0">
+                <a:schemeClr val="accent4"/>
+              </a:effectRef>
+              <a:fontRef idx="minor">
+                <a:schemeClr val="dk1"/>
+              </a:fontRef>
+            </p:style>
+            <p:txBody>
+              <a:bodyPr rtlCol="0" anchor="ctr"/>
+              <a:lstStyle/>
+              <a:p>
+                <a:pPr algn="ctr" defTabSz="872733"/>
+                <a:endParaRPr lang="en-US" sz="1500">
+                  <a:solidFill>
+                    <a:prstClr val="black"/>
+                  </a:solidFill>
+                </a:endParaRPr>
+              </a:p>
+            </p:txBody>
+          </p:sp>
+          <p:sp>
+            <p:nvSpPr>
+              <p:cNvPr id="18" name="Text Box 11"/>
+              <p:cNvSpPr txBox="1">
+                <a:spLocks noChangeArrowheads="1"/>
+              </p:cNvSpPr>
+              <p:nvPr/>
+            </p:nvSpPr>
+            <p:spPr bwMode="auto">
+              <a:xfrm>
+                <a:off x="5065650" y="2812540"/>
+                <a:ext cx="1596653" cy="600164"/>
+              </a:xfrm>
+              <a:prstGeom prst="rect">
+                <a:avLst/>
+              </a:prstGeom>
+              <a:ln w="19050">
+                <a:headEnd/>
+                <a:tailEnd/>
+              </a:ln>
+            </p:spPr>
+            <p:style>
+              <a:lnRef idx="1">
+                <a:schemeClr val="accent3"/>
+              </a:lnRef>
+              <a:fillRef idx="2">
+                <a:schemeClr val="accent3"/>
+              </a:fillRef>
+              <a:effectRef idx="1">
+                <a:schemeClr val="accent3"/>
+              </a:effectRef>
+              <a:fontRef idx="minor">
+                <a:schemeClr val="dk1"/>
+              </a:fontRef>
+            </p:style>
+            <p:txBody>
+              <a:bodyPr wrap="square" tIns="182880" bIns="182880">
+                <a:spAutoFit/>
+              </a:bodyPr>
+              <a:lstStyle/>
+              <a:p>
+                <a:pPr algn="ctr" defTabSz="872733">
+                  <a:spcBef>
+                    <a:spcPct val="50000"/>
+                  </a:spcBef>
+                  <a:buFont typeface="Wingdings" pitchFamily="2" charset="2"/>
+                  <a:buNone/>
+                </a:pPr>
+                <a:r>
+                  <a:rPr lang="en-US" sz="1500" dirty="0">
+                    <a:solidFill>
+                      <a:prstClr val="black"/>
+                    </a:solidFill>
+                  </a:rPr>
+                  <a:t>:</a:t>
+                </a:r>
+                <a:r>
+                  <a:rPr lang="en-US" sz="1500" dirty="0" err="1">
+                    <a:solidFill>
+                      <a:prstClr val="black"/>
+                    </a:solidFill>
+                  </a:rPr>
+                  <a:t>HelpCommand</a:t>
+                </a:r>
+                <a:endParaRPr lang="en-US" sz="1500" dirty="0">
+                  <a:solidFill>
+                    <a:prstClr val="black"/>
+                  </a:solidFill>
+                </a:endParaRPr>
+              </a:p>
+            </p:txBody>
+          </p:sp>
+          <p:sp>
+            <p:nvSpPr>
+              <p:cNvPr id="19" name="Line 13"/>
+              <p:cNvSpPr>
+                <a:spLocks noChangeShapeType="1"/>
+              </p:cNvSpPr>
+              <p:nvPr/>
+            </p:nvSpPr>
+            <p:spPr bwMode="auto">
+              <a:xfrm flipH="1">
+                <a:off x="3018095" y="2137789"/>
+                <a:ext cx="8589" cy="1590924"/>
+              </a:xfrm>
+              <a:prstGeom prst="line">
+                <a:avLst/>
+              </a:prstGeom>
+              <a:ln>
+                <a:solidFill>
+                  <a:schemeClr val="accent4">
+                    <a:lumMod val="75000"/>
+                  </a:schemeClr>
+                </a:solidFill>
+                <a:prstDash val="sysDash"/>
+                <a:headEnd/>
+                <a:tailEnd/>
+              </a:ln>
+            </p:spPr>
+            <p:style>
+              <a:lnRef idx="2">
+                <a:schemeClr val="accent4"/>
+              </a:lnRef>
+              <a:fillRef idx="0">
+                <a:schemeClr val="accent4"/>
+              </a:fillRef>
+              <a:effectRef idx="1">
+                <a:schemeClr val="accent4"/>
+              </a:effectRef>
+              <a:fontRef idx="minor">
+                <a:schemeClr val="tx1"/>
+              </a:fontRef>
+            </p:style>
+            <p:txBody>
+              <a:bodyPr/>
+              <a:lstStyle/>
+              <a:p>
+                <a:pPr defTabSz="872733"/>
+                <a:endParaRPr lang="en-US" sz="1500" dirty="0">
+                  <a:solidFill>
+                    <a:prstClr val="black"/>
+                  </a:solidFill>
+                </a:endParaRPr>
+              </a:p>
+            </p:txBody>
+          </p:sp>
+          <p:sp>
+            <p:nvSpPr>
+              <p:cNvPr id="20" name="Line 15"/>
+              <p:cNvSpPr>
+                <a:spLocks noChangeShapeType="1"/>
+              </p:cNvSpPr>
+              <p:nvPr/>
+            </p:nvSpPr>
+            <p:spPr bwMode="auto">
+              <a:xfrm flipV="1">
+                <a:off x="823868" y="1898263"/>
+                <a:ext cx="1747815" cy="12191"/>
+              </a:xfrm>
+              <a:prstGeom prst="line">
+                <a:avLst/>
+              </a:prstGeom>
+              <a:noFill/>
+              <a:ln w="19050">
+                <a:solidFill>
+                  <a:srgbClr val="7030A0"/>
+                </a:solidFill>
+                <a:round/>
+                <a:headEnd/>
+                <a:tailEnd type="triangle" w="lg" len="lg"/>
+              </a:ln>
+            </p:spPr>
+            <p:txBody>
+              <a:bodyPr/>
+              <a:lstStyle/>
+              <a:p>
+                <a:pPr defTabSz="872733"/>
+                <a:endParaRPr lang="en-US" sz="1500">
+                  <a:solidFill>
+                    <a:prstClr val="black"/>
+                  </a:solidFill>
+                </a:endParaRPr>
+              </a:p>
+            </p:txBody>
+          </p:sp>
+          <p:sp>
+            <p:nvSpPr>
+              <p:cNvPr id="24" name="Line 15"/>
+              <p:cNvSpPr>
+                <a:spLocks noChangeShapeType="1"/>
+              </p:cNvSpPr>
+              <p:nvPr/>
+            </p:nvSpPr>
+            <p:spPr bwMode="auto">
+              <a:xfrm flipV="1">
+                <a:off x="3194466" y="3121220"/>
+                <a:ext cx="1871184" cy="18880"/>
+              </a:xfrm>
+              <a:prstGeom prst="line">
+                <a:avLst/>
+              </a:prstGeom>
+              <a:noFill/>
+              <a:ln w="19050">
+                <a:solidFill>
+                  <a:schemeClr val="accent3">
+                    <a:lumMod val="75000"/>
+                  </a:schemeClr>
+                </a:solidFill>
+                <a:round/>
+                <a:headEnd/>
+                <a:tailEnd type="triangle" w="lg" len="lg"/>
+              </a:ln>
+            </p:spPr>
+            <p:txBody>
+              <a:bodyPr/>
+              <a:lstStyle/>
+              <a:p>
+                <a:pPr defTabSz="872733"/>
+                <a:endParaRPr lang="en-US" sz="1500">
+                  <a:solidFill>
+                    <a:prstClr val="black"/>
+                  </a:solidFill>
+                </a:endParaRPr>
+              </a:p>
+            </p:txBody>
+          </p:sp>
+          <p:sp>
+            <p:nvSpPr>
+              <p:cNvPr id="25" name="Text Box 25"/>
+              <p:cNvSpPr txBox="1">
+                <a:spLocks noChangeArrowheads="1"/>
+              </p:cNvSpPr>
+              <p:nvPr/>
+            </p:nvSpPr>
+            <p:spPr bwMode="auto">
+              <a:xfrm>
+                <a:off x="808004" y="2320801"/>
+                <a:ext cx="2500554" cy="323165"/>
+              </a:xfrm>
+              <a:prstGeom prst="rect">
+                <a:avLst/>
+              </a:prstGeom>
+              <a:noFill/>
+              <a:ln w="12700" algn="ctr">
+                <a:noFill/>
+                <a:miter lim="800000"/>
+                <a:headEnd/>
+                <a:tailEnd/>
+              </a:ln>
+            </p:spPr>
+            <p:txBody>
+              <a:bodyPr wrap="square">
+                <a:spAutoFit/>
+              </a:bodyPr>
+              <a:lstStyle/>
+              <a:p>
+                <a:pPr defTabSz="872733">
+                  <a:spcBef>
+                    <a:spcPct val="50000"/>
+                  </a:spcBef>
+                  <a:buFont typeface="Wingdings" pitchFamily="2" charset="2"/>
+                  <a:buNone/>
+                </a:pPr>
+                <a:r>
+                  <a:rPr lang="en-US" sz="1500" i="1" dirty="0" err="1"/>
+                  <a:t>parseCommand</a:t>
+                </a:r>
+                <a:r>
+                  <a:rPr lang="en-US" sz="1500" i="1" dirty="0"/>
+                  <a:t>(</a:t>
+                </a:r>
+                <a:r>
+                  <a:rPr lang="en-US" sz="1500" i="1" dirty="0" err="1"/>
+                  <a:t>userInput</a:t>
+                </a:r>
+                <a:r>
+                  <a:rPr lang="en-US" sz="1500" i="1" dirty="0"/>
+                  <a:t>)</a:t>
+                </a:r>
+              </a:p>
+            </p:txBody>
+          </p:sp>
+          <p:sp>
+            <p:nvSpPr>
+              <p:cNvPr id="29" name="Text Box 25"/>
+              <p:cNvSpPr txBox="1">
+                <a:spLocks noChangeArrowheads="1"/>
+              </p:cNvSpPr>
+              <p:nvPr/>
+            </p:nvSpPr>
+            <p:spPr bwMode="auto">
+              <a:xfrm>
+                <a:off x="965943" y="3019896"/>
+                <a:ext cx="1710047" cy="553998"/>
+              </a:xfrm>
+              <a:prstGeom prst="rect">
+                <a:avLst/>
+              </a:prstGeom>
+              <a:noFill/>
+              <a:ln w="12700" algn="ctr">
+                <a:noFill/>
+                <a:miter lim="800000"/>
+                <a:headEnd/>
+                <a:tailEnd/>
+              </a:ln>
+            </p:spPr>
+            <p:txBody>
+              <a:bodyPr wrap="square">
+                <a:spAutoFit/>
+              </a:bodyPr>
+              <a:lstStyle/>
+              <a:p>
+                <a:pPr defTabSz="872733">
+                  <a:spcBef>
+                    <a:spcPct val="50000"/>
+                  </a:spcBef>
+                  <a:buFont typeface="Wingdings" pitchFamily="2" charset="2"/>
+                  <a:buNone/>
+                </a:pPr>
+                <a:r>
+                  <a:rPr lang="en-US" sz="1500" i="1" dirty="0"/>
+                  <a:t>return reference to </a:t>
+                </a:r>
+                <a:r>
+                  <a:rPr lang="en-US" sz="1500" i="1" dirty="0" err="1"/>
+                  <a:t>HelpCommand</a:t>
+                </a:r>
+                <a:endParaRPr lang="en-US" sz="1500" i="1" dirty="0"/>
+              </a:p>
+            </p:txBody>
+          </p:sp>
+          <p:sp>
+            <p:nvSpPr>
+              <p:cNvPr id="33" name="Line 13"/>
+              <p:cNvSpPr>
+                <a:spLocks noChangeShapeType="1"/>
+              </p:cNvSpPr>
+              <p:nvPr/>
+            </p:nvSpPr>
+            <p:spPr bwMode="auto">
+              <a:xfrm flipH="1">
+                <a:off x="5843365" y="3396473"/>
+                <a:ext cx="4560" cy="1893221"/>
+              </a:xfrm>
+              <a:prstGeom prst="line">
+                <a:avLst/>
+              </a:prstGeom>
+              <a:ln>
+                <a:solidFill>
+                  <a:schemeClr val="accent3">
+                    <a:lumMod val="75000"/>
+                  </a:schemeClr>
+                </a:solidFill>
+                <a:prstDash val="sysDash"/>
+                <a:headEnd/>
+                <a:tailEnd/>
+              </a:ln>
+            </p:spPr>
+            <p:style>
+              <a:lnRef idx="2">
+                <a:schemeClr val="accent4"/>
+              </a:lnRef>
+              <a:fillRef idx="0">
+                <a:schemeClr val="accent4"/>
+              </a:fillRef>
+              <a:effectRef idx="1">
+                <a:schemeClr val="accent4"/>
+              </a:effectRef>
+              <a:fontRef idx="minor">
+                <a:schemeClr val="tx1"/>
+              </a:fontRef>
+            </p:style>
+            <p:txBody>
+              <a:bodyPr/>
+              <a:lstStyle/>
+              <a:p>
+                <a:pPr defTabSz="872733"/>
+                <a:endParaRPr lang="en-US" sz="1500">
+                  <a:solidFill>
+                    <a:prstClr val="black"/>
+                  </a:solidFill>
+                </a:endParaRPr>
+              </a:p>
+            </p:txBody>
+          </p:sp>
+          <p:sp>
+            <p:nvSpPr>
+              <p:cNvPr id="34" name="Line 15"/>
+              <p:cNvSpPr>
+                <a:spLocks noChangeShapeType="1"/>
+              </p:cNvSpPr>
+              <p:nvPr/>
+            </p:nvSpPr>
+            <p:spPr bwMode="auto">
+              <a:xfrm flipV="1">
+                <a:off x="863760" y="2696243"/>
+                <a:ext cx="2040971" cy="1"/>
+              </a:xfrm>
+              <a:prstGeom prst="line">
+                <a:avLst/>
+              </a:prstGeom>
+              <a:noFill/>
+              <a:ln w="19050">
+                <a:solidFill>
+                  <a:srgbClr val="7030A0"/>
+                </a:solidFill>
+                <a:round/>
+                <a:headEnd/>
+                <a:tailEnd type="triangle" w="lg" len="lg"/>
+              </a:ln>
+            </p:spPr>
+            <p:txBody>
+              <a:bodyPr/>
+              <a:lstStyle/>
+              <a:p>
+                <a:pPr defTabSz="872733"/>
+                <a:endParaRPr lang="en-US" sz="1500">
+                  <a:solidFill>
+                    <a:prstClr val="black"/>
+                  </a:solidFill>
+                </a:endParaRPr>
+              </a:p>
+            </p:txBody>
+          </p:sp>
+          <p:sp>
+            <p:nvSpPr>
+              <p:cNvPr id="38" name="Text Box 25"/>
+              <p:cNvSpPr txBox="1">
+                <a:spLocks noChangeArrowheads="1"/>
+              </p:cNvSpPr>
+              <p:nvPr/>
+            </p:nvSpPr>
+            <p:spPr bwMode="auto">
+              <a:xfrm>
+                <a:off x="1211846" y="1581835"/>
+                <a:ext cx="1182981" cy="323165"/>
+              </a:xfrm>
+              <a:prstGeom prst="rect">
+                <a:avLst/>
+              </a:prstGeom>
+              <a:noFill/>
+              <a:ln w="12700" algn="ctr">
+                <a:noFill/>
+                <a:miter lim="800000"/>
+                <a:headEnd/>
+                <a:tailEnd/>
+              </a:ln>
+            </p:spPr>
+            <p:txBody>
+              <a:bodyPr wrap="square">
+                <a:spAutoFit/>
+              </a:bodyPr>
+              <a:lstStyle/>
+              <a:p>
+                <a:pPr defTabSz="872733">
+                  <a:spcBef>
+                    <a:spcPct val="50000"/>
+                  </a:spcBef>
+                  <a:buFont typeface="Wingdings" pitchFamily="2" charset="2"/>
+                  <a:buNone/>
+                </a:pPr>
+                <a:r>
+                  <a:rPr lang="en-US" sz="1500" i="1" dirty="0"/>
+                  <a:t>Parser()</a:t>
+                </a:r>
+              </a:p>
+            </p:txBody>
+          </p:sp>
+          <p:sp>
+            <p:nvSpPr>
+              <p:cNvPr id="40" name="Rectangle 39"/>
+              <p:cNvSpPr/>
+              <p:nvPr/>
+            </p:nvSpPr>
+            <p:spPr>
+              <a:xfrm>
+                <a:off x="5717684" y="4066313"/>
+                <a:ext cx="251361" cy="878804"/>
+              </a:xfrm>
+              <a:prstGeom prst="rect">
+                <a:avLst/>
+              </a:prstGeom>
               <a:solidFill>
-                <a:prstClr val="black"/>
+                <a:schemeClr val="accent3">
+                  <a:lumMod val="20000"/>
+                  <a:lumOff val="80000"/>
+                </a:schemeClr>
               </a:solidFill>
-            </a:endParaRPr>
-          </a:p>
-        </p:txBody>
-      </p:sp>
-      <p:cxnSp>
-        <p:nvCxnSpPr>
-          <p:cNvPr id="49" name="Straight Connector 48">
-            <a:extLst>
-              <a:ext uri="{FF2B5EF4-FFF2-40B4-BE49-F238E27FC236}">
-                <a16:creationId xmlns:a16="http://schemas.microsoft.com/office/drawing/2014/main" id="{054EC965-613F-450A-BDA7-4AEF688EE06E}"/>
-              </a:ext>
-            </a:extLst>
-          </p:cNvPr>
-          <p:cNvCxnSpPr/>
-          <p:nvPr/>
-        </p:nvCxnSpPr>
-        <p:spPr>
-          <a:xfrm rot="16200000" flipV="1">
-            <a:off x="2879243" y="3679211"/>
-            <a:ext cx="284430" cy="267655"/>
-          </a:xfrm>
-          <a:prstGeom prst="line">
-            <a:avLst/>
-          </a:prstGeom>
-          <a:ln w="19050">
-            <a:solidFill>
-              <a:schemeClr val="accent4">
-                <a:lumMod val="75000"/>
-              </a:schemeClr>
-            </a:solidFill>
-          </a:ln>
-        </p:spPr>
-        <p:style>
-          <a:lnRef idx="1">
-            <a:schemeClr val="accent1"/>
-          </a:lnRef>
-          <a:fillRef idx="0">
-            <a:schemeClr val="accent1"/>
-          </a:fillRef>
-          <a:effectRef idx="0">
-            <a:schemeClr val="accent1"/>
-          </a:effectRef>
-          <a:fontRef idx="minor">
-            <a:schemeClr val="tx1"/>
-          </a:fontRef>
-        </p:style>
-      </p:cxnSp>
-      <p:cxnSp>
-        <p:nvCxnSpPr>
-          <p:cNvPr id="50" name="Straight Connector 49">
-            <a:extLst>
-              <a:ext uri="{FF2B5EF4-FFF2-40B4-BE49-F238E27FC236}">
-                <a16:creationId xmlns:a16="http://schemas.microsoft.com/office/drawing/2014/main" id="{BCC52252-11B3-4A56-A114-AE5F1D9A8E9B}"/>
-              </a:ext>
-            </a:extLst>
-          </p:cNvPr>
-          <p:cNvCxnSpPr/>
-          <p:nvPr/>
-        </p:nvCxnSpPr>
-        <p:spPr>
-          <a:xfrm rot="5400000">
-            <a:off x="2872653" y="3683705"/>
-            <a:ext cx="288175" cy="266007"/>
-          </a:xfrm>
-          <a:prstGeom prst="line">
-            <a:avLst/>
-          </a:prstGeom>
-          <a:ln w="19050">
-            <a:solidFill>
-              <a:schemeClr val="accent4">
-                <a:lumMod val="75000"/>
-              </a:schemeClr>
-            </a:solidFill>
-          </a:ln>
-        </p:spPr>
-        <p:style>
-          <a:lnRef idx="1">
-            <a:schemeClr val="accent1"/>
-          </a:lnRef>
-          <a:fillRef idx="0">
-            <a:schemeClr val="accent1"/>
-          </a:fillRef>
-          <a:effectRef idx="0">
-            <a:schemeClr val="accent1"/>
-          </a:effectRef>
-          <a:fontRef idx="minor">
-            <a:schemeClr val="tx1"/>
-          </a:fontRef>
-        </p:style>
-      </p:cxnSp>
-      <p:sp>
-        <p:nvSpPr>
-          <p:cNvPr id="51" name="Text Box 25">
-            <a:extLst>
-              <a:ext uri="{FF2B5EF4-FFF2-40B4-BE49-F238E27FC236}">
-                <a16:creationId xmlns:a16="http://schemas.microsoft.com/office/drawing/2014/main" id="{34020A70-184B-4A57-816D-CCE686742C10}"/>
-              </a:ext>
-            </a:extLst>
-          </p:cNvPr>
-          <p:cNvSpPr txBox="1">
-            <a:spLocks noChangeArrowheads="1"/>
-          </p:cNvSpPr>
-          <p:nvPr/>
-        </p:nvSpPr>
-        <p:spPr bwMode="auto">
-          <a:xfrm>
-            <a:off x="3799306" y="3733800"/>
-            <a:ext cx="886908" cy="323165"/>
-          </a:xfrm>
-          <a:prstGeom prst="rect">
-            <a:avLst/>
-          </a:prstGeom>
-          <a:noFill/>
-          <a:ln w="12700" algn="ctr">
-            <a:noFill/>
-            <a:miter lim="800000"/>
-            <a:headEnd/>
-            <a:tailEnd/>
-          </a:ln>
-        </p:spPr>
-        <p:txBody>
-          <a:bodyPr wrap="square">
-            <a:spAutoFit/>
-          </a:bodyPr>
-          <a:lstStyle/>
-          <a:p>
-            <a:pPr defTabSz="872733">
-              <a:spcBef>
-                <a:spcPct val="50000"/>
-              </a:spcBef>
-              <a:buFont typeface="Wingdings" pitchFamily="2" charset="2"/>
-              <a:buNone/>
-            </a:pPr>
-            <a:r>
-              <a:rPr lang="en-US" sz="1500" i="1" dirty="0"/>
-              <a:t>execute()</a:t>
-            </a:r>
-          </a:p>
-        </p:txBody>
-      </p:sp>
-      <p:cxnSp>
-        <p:nvCxnSpPr>
-          <p:cNvPr id="54" name="Straight Connector 53">
-            <a:extLst>
-              <a:ext uri="{FF2B5EF4-FFF2-40B4-BE49-F238E27FC236}">
-                <a16:creationId xmlns:a16="http://schemas.microsoft.com/office/drawing/2014/main" id="{BB6AEF2A-70C0-4C86-ACC0-ED4823D6AC46}"/>
-              </a:ext>
-            </a:extLst>
-          </p:cNvPr>
-          <p:cNvCxnSpPr/>
-          <p:nvPr/>
-        </p:nvCxnSpPr>
-        <p:spPr>
-          <a:xfrm rot="16200000" flipV="1">
-            <a:off x="5698544" y="5196333"/>
-            <a:ext cx="284430" cy="267655"/>
-          </a:xfrm>
-          <a:prstGeom prst="line">
-            <a:avLst/>
-          </a:prstGeom>
-          <a:ln w="19050">
-            <a:solidFill>
-              <a:schemeClr val="accent3">
-                <a:lumMod val="75000"/>
-              </a:schemeClr>
-            </a:solidFill>
-          </a:ln>
-        </p:spPr>
-        <p:style>
-          <a:lnRef idx="1">
-            <a:schemeClr val="accent1"/>
-          </a:lnRef>
-          <a:fillRef idx="0">
-            <a:schemeClr val="accent1"/>
-          </a:fillRef>
-          <a:effectRef idx="0">
-            <a:schemeClr val="accent1"/>
-          </a:effectRef>
-          <a:fontRef idx="minor">
-            <a:schemeClr val="tx1"/>
-          </a:fontRef>
-        </p:style>
-      </p:cxnSp>
-      <p:cxnSp>
-        <p:nvCxnSpPr>
-          <p:cNvPr id="55" name="Straight Connector 54">
-            <a:extLst>
-              <a:ext uri="{FF2B5EF4-FFF2-40B4-BE49-F238E27FC236}">
-                <a16:creationId xmlns:a16="http://schemas.microsoft.com/office/drawing/2014/main" id="{9664B067-90B9-447F-947E-62F78A316229}"/>
-              </a:ext>
-            </a:extLst>
-          </p:cNvPr>
-          <p:cNvCxnSpPr/>
-          <p:nvPr/>
-        </p:nvCxnSpPr>
-        <p:spPr>
-          <a:xfrm rot="5400000">
-            <a:off x="5691954" y="5200827"/>
-            <a:ext cx="288175" cy="266007"/>
-          </a:xfrm>
-          <a:prstGeom prst="line">
-            <a:avLst/>
-          </a:prstGeom>
-          <a:ln w="19050">
-            <a:solidFill>
-              <a:schemeClr val="accent3">
-                <a:lumMod val="75000"/>
-              </a:schemeClr>
-            </a:solidFill>
-          </a:ln>
-        </p:spPr>
-        <p:style>
-          <a:lnRef idx="1">
-            <a:schemeClr val="accent1"/>
-          </a:lnRef>
-          <a:fillRef idx="0">
-            <a:schemeClr val="accent1"/>
-          </a:fillRef>
-          <a:effectRef idx="0">
-            <a:schemeClr val="accent1"/>
-          </a:effectRef>
-          <a:fontRef idx="minor">
-            <a:schemeClr val="tx1"/>
-          </a:fontRef>
-        </p:style>
-      </p:cxnSp>
-      <p:sp>
-        <p:nvSpPr>
-          <p:cNvPr id="30" name="Line 16">
-            <a:extLst>
-              <a:ext uri="{FF2B5EF4-FFF2-40B4-BE49-F238E27FC236}">
-                <a16:creationId xmlns:a16="http://schemas.microsoft.com/office/drawing/2014/main" id="{FDA32707-D20E-473E-ACEB-0E87B57EE3F4}"/>
-              </a:ext>
-            </a:extLst>
-          </p:cNvPr>
-          <p:cNvSpPr>
-            <a:spLocks noChangeShapeType="1"/>
-          </p:cNvSpPr>
-          <p:nvPr/>
-        </p:nvSpPr>
-        <p:spPr bwMode="auto">
-          <a:xfrm flipH="1" flipV="1">
-            <a:off x="838799" y="4936112"/>
-            <a:ext cx="5106116" cy="1"/>
-          </a:xfrm>
-          <a:prstGeom prst="line">
-            <a:avLst/>
-          </a:prstGeom>
-          <a:noFill/>
-          <a:ln w="19050">
-            <a:solidFill>
-              <a:schemeClr val="accent3">
-                <a:lumMod val="75000"/>
-              </a:schemeClr>
-            </a:solidFill>
-            <a:prstDash val="sysDash"/>
-            <a:round/>
-            <a:headEnd/>
-            <a:tailEnd type="triangle" w="lg" len="lg"/>
-          </a:ln>
-        </p:spPr>
-        <p:txBody>
-          <a:bodyPr/>
-          <a:lstStyle/>
-          <a:p>
-            <a:pPr defTabSz="872733"/>
-            <a:endParaRPr lang="en-US" sz="1500">
+              <a:ln>
+                <a:solidFill>
+                  <a:schemeClr val="accent3">
+                    <a:lumMod val="75000"/>
+                  </a:schemeClr>
+                </a:solidFill>
+              </a:ln>
+            </p:spPr>
+            <p:style>
+              <a:lnRef idx="2">
+                <a:schemeClr val="accent4"/>
+              </a:lnRef>
+              <a:fillRef idx="1">
+                <a:schemeClr val="lt1"/>
+              </a:fillRef>
+              <a:effectRef idx="0">
+                <a:schemeClr val="accent4"/>
+              </a:effectRef>
+              <a:fontRef idx="minor">
+                <a:schemeClr val="dk1"/>
+              </a:fontRef>
+            </p:style>
+            <p:txBody>
+              <a:bodyPr rtlCol="0" anchor="ctr"/>
+              <a:lstStyle/>
+              <a:p>
+                <a:pPr algn="ctr" defTabSz="872733"/>
+                <a:endParaRPr lang="en-US" sz="1500">
+                  <a:solidFill>
+                    <a:prstClr val="black"/>
+                  </a:solidFill>
+                </a:endParaRPr>
+              </a:p>
+            </p:txBody>
+          </p:sp>
+          <p:sp>
+            <p:nvSpPr>
+              <p:cNvPr id="44" name="Rectangle 43">
+                <a:extLst>
+                  <a:ext uri="{FF2B5EF4-FFF2-40B4-BE49-F238E27FC236}">
+                    <a16:creationId xmlns:a16="http://schemas.microsoft.com/office/drawing/2014/main" id="{1ABAE2EE-0C6F-40C9-9F83-C6E45146189B}"/>
+                  </a:ext>
+                </a:extLst>
+              </p:cNvPr>
+              <p:cNvSpPr/>
+              <p:nvPr/>
+            </p:nvSpPr>
+            <p:spPr>
+              <a:xfrm>
+                <a:off x="2888219" y="2698465"/>
+                <a:ext cx="286905" cy="893938"/>
+              </a:xfrm>
+              <a:prstGeom prst="rect">
+                <a:avLst/>
+              </a:prstGeom>
               <a:solidFill>
-                <a:prstClr val="black"/>
+                <a:schemeClr val="accent4">
+                  <a:lumMod val="40000"/>
+                  <a:lumOff val="60000"/>
+                </a:schemeClr>
               </a:solidFill>
-            </a:endParaRPr>
-          </a:p>
-        </p:txBody>
-      </p:sp>
+              <a:ln>
+                <a:solidFill>
+                  <a:schemeClr val="accent4">
+                    <a:lumMod val="75000"/>
+                  </a:schemeClr>
+                </a:solidFill>
+              </a:ln>
+            </p:spPr>
+            <p:style>
+              <a:lnRef idx="2">
+                <a:schemeClr val="accent4"/>
+              </a:lnRef>
+              <a:fillRef idx="1">
+                <a:schemeClr val="lt1"/>
+              </a:fillRef>
+              <a:effectRef idx="0">
+                <a:schemeClr val="accent4"/>
+              </a:effectRef>
+              <a:fontRef idx="minor">
+                <a:schemeClr val="dk1"/>
+              </a:fontRef>
+            </p:style>
+            <p:txBody>
+              <a:bodyPr rtlCol="0" anchor="ctr"/>
+              <a:lstStyle/>
+              <a:p>
+                <a:pPr algn="ctr" defTabSz="872733"/>
+                <a:endParaRPr lang="en-US" sz="1500">
+                  <a:solidFill>
+                    <a:prstClr val="black"/>
+                  </a:solidFill>
+                </a:endParaRPr>
+              </a:p>
+            </p:txBody>
+          </p:sp>
+          <p:sp>
+            <p:nvSpPr>
+              <p:cNvPr id="45" name="Line 15">
+                <a:extLst>
+                  <a:ext uri="{FF2B5EF4-FFF2-40B4-BE49-F238E27FC236}">
+                    <a16:creationId xmlns:a16="http://schemas.microsoft.com/office/drawing/2014/main" id="{0EB24DA8-2498-4853-AED4-3458A81C456A}"/>
+                  </a:ext>
+                </a:extLst>
+              </p:cNvPr>
+              <p:cNvSpPr>
+                <a:spLocks noChangeShapeType="1"/>
+              </p:cNvSpPr>
+              <p:nvPr/>
+            </p:nvSpPr>
+            <p:spPr bwMode="auto">
+              <a:xfrm>
+                <a:off x="875317" y="4066311"/>
+                <a:ext cx="4877422" cy="12839"/>
+              </a:xfrm>
+              <a:prstGeom prst="line">
+                <a:avLst/>
+              </a:prstGeom>
+              <a:noFill/>
+              <a:ln w="19050">
+                <a:solidFill>
+                  <a:schemeClr val="accent3">
+                    <a:lumMod val="75000"/>
+                  </a:schemeClr>
+                </a:solidFill>
+                <a:round/>
+                <a:headEnd/>
+                <a:tailEnd type="triangle" w="lg" len="lg"/>
+              </a:ln>
+            </p:spPr>
+            <p:txBody>
+              <a:bodyPr/>
+              <a:lstStyle/>
+              <a:p>
+                <a:pPr defTabSz="872733"/>
+                <a:endParaRPr lang="en-US" sz="1500">
+                  <a:solidFill>
+                    <a:prstClr val="black"/>
+                  </a:solidFill>
+                </a:endParaRPr>
+              </a:p>
+            </p:txBody>
+          </p:sp>
+          <p:sp>
+            <p:nvSpPr>
+              <p:cNvPr id="47" name="Text Box 25">
+                <a:extLst>
+                  <a:ext uri="{FF2B5EF4-FFF2-40B4-BE49-F238E27FC236}">
+                    <a16:creationId xmlns:a16="http://schemas.microsoft.com/office/drawing/2014/main" id="{342B431E-151F-4A55-A1AE-57F6FE56D1EF}"/>
+                  </a:ext>
+                </a:extLst>
+              </p:cNvPr>
+              <p:cNvSpPr txBox="1">
+                <a:spLocks noChangeArrowheads="1"/>
+              </p:cNvSpPr>
+              <p:nvPr/>
+            </p:nvSpPr>
+            <p:spPr bwMode="auto">
+              <a:xfrm>
+                <a:off x="3174259" y="2826789"/>
+                <a:ext cx="2084117" cy="323165"/>
+              </a:xfrm>
+              <a:prstGeom prst="rect">
+                <a:avLst/>
+              </a:prstGeom>
+              <a:noFill/>
+              <a:ln w="12700" algn="ctr">
+                <a:noFill/>
+                <a:miter lim="800000"/>
+                <a:headEnd/>
+                <a:tailEnd/>
+              </a:ln>
+            </p:spPr>
+            <p:txBody>
+              <a:bodyPr wrap="square">
+                <a:spAutoFit/>
+              </a:bodyPr>
+              <a:lstStyle/>
+              <a:p>
+                <a:pPr defTabSz="872733">
+                  <a:spcBef>
+                    <a:spcPct val="50000"/>
+                  </a:spcBef>
+                  <a:buFont typeface="Wingdings" pitchFamily="2" charset="2"/>
+                  <a:buNone/>
+                </a:pPr>
+                <a:r>
+                  <a:rPr lang="en-US" sz="1500" i="1" dirty="0" err="1"/>
+                  <a:t>HelpCommand</a:t>
+                </a:r>
+                <a:r>
+                  <a:rPr lang="en-US" sz="1500" i="1" dirty="0"/>
+                  <a:t>()</a:t>
+                </a:r>
+              </a:p>
+            </p:txBody>
+          </p:sp>
+          <p:sp>
+            <p:nvSpPr>
+              <p:cNvPr id="48" name="Line 16">
+                <a:extLst>
+                  <a:ext uri="{FF2B5EF4-FFF2-40B4-BE49-F238E27FC236}">
+                    <a16:creationId xmlns:a16="http://schemas.microsoft.com/office/drawing/2014/main" id="{5278BFBC-6FA4-432C-994E-8DD2A55ED046}"/>
+                  </a:ext>
+                </a:extLst>
+              </p:cNvPr>
+              <p:cNvSpPr>
+                <a:spLocks noChangeShapeType="1"/>
+              </p:cNvSpPr>
+              <p:nvPr/>
+            </p:nvSpPr>
+            <p:spPr bwMode="auto">
+              <a:xfrm flipH="1">
+                <a:off x="852246" y="3573169"/>
+                <a:ext cx="2016629" cy="7945"/>
+              </a:xfrm>
+              <a:prstGeom prst="line">
+                <a:avLst/>
+              </a:prstGeom>
+              <a:noFill/>
+              <a:ln w="19050">
+                <a:solidFill>
+                  <a:schemeClr val="accent4"/>
+                </a:solidFill>
+                <a:prstDash val="sysDash"/>
+                <a:round/>
+                <a:headEnd/>
+                <a:tailEnd type="triangle" w="lg" len="lg"/>
+              </a:ln>
+            </p:spPr>
+            <p:txBody>
+              <a:bodyPr/>
+              <a:lstStyle/>
+              <a:p>
+                <a:pPr defTabSz="872733"/>
+                <a:endParaRPr lang="en-US" sz="1500">
+                  <a:solidFill>
+                    <a:prstClr val="black"/>
+                  </a:solidFill>
+                </a:endParaRPr>
+              </a:p>
+            </p:txBody>
+          </p:sp>
+          <p:cxnSp>
+            <p:nvCxnSpPr>
+              <p:cNvPr id="49" name="Straight Connector 48">
+                <a:extLst>
+                  <a:ext uri="{FF2B5EF4-FFF2-40B4-BE49-F238E27FC236}">
+                    <a16:creationId xmlns:a16="http://schemas.microsoft.com/office/drawing/2014/main" id="{054EC965-613F-450A-BDA7-4AEF688EE06E}"/>
+                  </a:ext>
+                </a:extLst>
+              </p:cNvPr>
+              <p:cNvCxnSpPr/>
+              <p:nvPr/>
+            </p:nvCxnSpPr>
+            <p:spPr>
+              <a:xfrm rot="16200000" flipV="1">
+                <a:off x="2879243" y="3679211"/>
+                <a:ext cx="284430" cy="267655"/>
+              </a:xfrm>
+              <a:prstGeom prst="line">
+                <a:avLst/>
+              </a:prstGeom>
+              <a:ln w="19050">
+                <a:solidFill>
+                  <a:schemeClr val="accent4">
+                    <a:lumMod val="75000"/>
+                  </a:schemeClr>
+                </a:solidFill>
+              </a:ln>
+            </p:spPr>
+            <p:style>
+              <a:lnRef idx="1">
+                <a:schemeClr val="accent1"/>
+              </a:lnRef>
+              <a:fillRef idx="0">
+                <a:schemeClr val="accent1"/>
+              </a:fillRef>
+              <a:effectRef idx="0">
+                <a:schemeClr val="accent1"/>
+              </a:effectRef>
+              <a:fontRef idx="minor">
+                <a:schemeClr val="tx1"/>
+              </a:fontRef>
+            </p:style>
+          </p:cxnSp>
+          <p:cxnSp>
+            <p:nvCxnSpPr>
+              <p:cNvPr id="50" name="Straight Connector 49">
+                <a:extLst>
+                  <a:ext uri="{FF2B5EF4-FFF2-40B4-BE49-F238E27FC236}">
+                    <a16:creationId xmlns:a16="http://schemas.microsoft.com/office/drawing/2014/main" id="{BCC52252-11B3-4A56-A114-AE5F1D9A8E9B}"/>
+                  </a:ext>
+                </a:extLst>
+              </p:cNvPr>
+              <p:cNvCxnSpPr/>
+              <p:nvPr/>
+            </p:nvCxnSpPr>
+            <p:spPr>
+              <a:xfrm rot="5400000">
+                <a:off x="2872653" y="3683705"/>
+                <a:ext cx="288175" cy="266007"/>
+              </a:xfrm>
+              <a:prstGeom prst="line">
+                <a:avLst/>
+              </a:prstGeom>
+              <a:ln w="19050">
+                <a:solidFill>
+                  <a:schemeClr val="accent4">
+                    <a:lumMod val="75000"/>
+                  </a:schemeClr>
+                </a:solidFill>
+              </a:ln>
+            </p:spPr>
+            <p:style>
+              <a:lnRef idx="1">
+                <a:schemeClr val="accent1"/>
+              </a:lnRef>
+              <a:fillRef idx="0">
+                <a:schemeClr val="accent1"/>
+              </a:fillRef>
+              <a:effectRef idx="0">
+                <a:schemeClr val="accent1"/>
+              </a:effectRef>
+              <a:fontRef idx="minor">
+                <a:schemeClr val="tx1"/>
+              </a:fontRef>
+            </p:style>
+          </p:cxnSp>
+          <p:sp>
+            <p:nvSpPr>
+              <p:cNvPr id="51" name="Text Box 25">
+                <a:extLst>
+                  <a:ext uri="{FF2B5EF4-FFF2-40B4-BE49-F238E27FC236}">
+                    <a16:creationId xmlns:a16="http://schemas.microsoft.com/office/drawing/2014/main" id="{34020A70-184B-4A57-816D-CCE686742C10}"/>
+                  </a:ext>
+                </a:extLst>
+              </p:cNvPr>
+              <p:cNvSpPr txBox="1">
+                <a:spLocks noChangeArrowheads="1"/>
+              </p:cNvSpPr>
+              <p:nvPr/>
+            </p:nvSpPr>
+            <p:spPr bwMode="auto">
+              <a:xfrm>
+                <a:off x="3799306" y="3733800"/>
+                <a:ext cx="886908" cy="323165"/>
+              </a:xfrm>
+              <a:prstGeom prst="rect">
+                <a:avLst/>
+              </a:prstGeom>
+              <a:noFill/>
+              <a:ln w="12700" algn="ctr">
+                <a:noFill/>
+                <a:miter lim="800000"/>
+                <a:headEnd/>
+                <a:tailEnd/>
+              </a:ln>
+            </p:spPr>
+            <p:txBody>
+              <a:bodyPr wrap="square">
+                <a:spAutoFit/>
+              </a:bodyPr>
+              <a:lstStyle/>
+              <a:p>
+                <a:pPr defTabSz="872733">
+                  <a:spcBef>
+                    <a:spcPct val="50000"/>
+                  </a:spcBef>
+                  <a:buFont typeface="Wingdings" pitchFamily="2" charset="2"/>
+                  <a:buNone/>
+                </a:pPr>
+                <a:r>
+                  <a:rPr lang="en-US" sz="1500" i="1" dirty="0"/>
+                  <a:t>execute()</a:t>
+                </a:r>
+              </a:p>
+            </p:txBody>
+          </p:sp>
+          <p:sp>
+            <p:nvSpPr>
+              <p:cNvPr id="30" name="Line 16">
+                <a:extLst>
+                  <a:ext uri="{FF2B5EF4-FFF2-40B4-BE49-F238E27FC236}">
+                    <a16:creationId xmlns:a16="http://schemas.microsoft.com/office/drawing/2014/main" id="{FDA32707-D20E-473E-ACEB-0E87B57EE3F4}"/>
+                  </a:ext>
+                </a:extLst>
+              </p:cNvPr>
+              <p:cNvSpPr>
+                <a:spLocks noChangeShapeType="1"/>
+              </p:cNvSpPr>
+              <p:nvPr/>
+            </p:nvSpPr>
+            <p:spPr bwMode="auto">
+              <a:xfrm flipH="1" flipV="1">
+                <a:off x="838799" y="4936112"/>
+                <a:ext cx="5106116" cy="1"/>
+              </a:xfrm>
+              <a:prstGeom prst="line">
+                <a:avLst/>
+              </a:prstGeom>
+              <a:noFill/>
+              <a:ln w="19050">
+                <a:solidFill>
+                  <a:schemeClr val="accent3">
+                    <a:lumMod val="75000"/>
+                  </a:schemeClr>
+                </a:solidFill>
+                <a:prstDash val="sysDash"/>
+                <a:round/>
+                <a:headEnd/>
+                <a:tailEnd type="triangle" w="lg" len="lg"/>
+              </a:ln>
+            </p:spPr>
+            <p:txBody>
+              <a:bodyPr/>
+              <a:lstStyle/>
+              <a:p>
+                <a:pPr defTabSz="872733"/>
+                <a:endParaRPr lang="en-US" sz="1500">
+                  <a:solidFill>
+                    <a:prstClr val="black"/>
+                  </a:solidFill>
+                </a:endParaRPr>
+              </a:p>
+            </p:txBody>
+          </p:sp>
+        </p:grpSp>
+      </p:grpSp>
     </p:spTree>
     <p:extLst>
       <p:ext uri="{BB962C8B-B14F-4D97-AF65-F5344CB8AC3E}">
@@ -5077,802 +5119,6 @@
   <p:clrMapOvr>
     <a:masterClrMapping/>
   </p:clrMapOvr>
-  <p:timing>
-    <p:tnLst>
-      <p:par>
-        <p:cTn id="1" dur="indefinite" restart="never" nodeType="tmRoot">
-          <p:childTnLst>
-            <p:seq concurrent="1" nextAc="seek">
-              <p:cTn id="2" dur="indefinite" nodeType="mainSeq">
-                <p:childTnLst>
-                  <p:par>
-                    <p:cTn id="3" fill="hold">
-                      <p:stCondLst>
-                        <p:cond delay="indefinite"/>
-                      </p:stCondLst>
-                      <p:childTnLst>
-                        <p:par>
-                          <p:cTn id="4" fill="hold">
-                            <p:stCondLst>
-                              <p:cond delay="0"/>
-                            </p:stCondLst>
-                            <p:childTnLst>
-                              <p:par>
-                                <p:cTn id="5" presetID="1" presetClass="entr" presetSubtype="0" fill="hold" grpId="0" nodeType="clickEffect">
-                                  <p:stCondLst>
-                                    <p:cond delay="0"/>
-                                  </p:stCondLst>
-                                  <p:childTnLst>
-                                    <p:set>
-                                      <p:cBhvr>
-                                        <p:cTn id="6" dur="1" fill="hold">
-                                          <p:stCondLst>
-                                            <p:cond delay="0"/>
-                                          </p:stCondLst>
-                                        </p:cTn>
-                                        <p:tgtEl>
-                                          <p:spTgt spid="24"/>
-                                        </p:tgtEl>
-                                        <p:attrNameLst>
-                                          <p:attrName>style.visibility</p:attrName>
-                                        </p:attrNameLst>
-                                      </p:cBhvr>
-                                      <p:to>
-                                        <p:strVal val="visible"/>
-                                      </p:to>
-                                    </p:set>
-                                  </p:childTnLst>
-                                </p:cTn>
-                              </p:par>
-                              <p:par>
-                                <p:cTn id="7" presetID="1" presetClass="entr" presetSubtype="0" fill="hold" grpId="0" nodeType="withEffect">
-                                  <p:stCondLst>
-                                    <p:cond delay="0"/>
-                                  </p:stCondLst>
-                                  <p:childTnLst>
-                                    <p:set>
-                                      <p:cBhvr>
-                                        <p:cTn id="8" dur="1" fill="hold">
-                                          <p:stCondLst>
-                                            <p:cond delay="0"/>
-                                          </p:stCondLst>
-                                        </p:cTn>
-                                        <p:tgtEl>
-                                          <p:spTgt spid="25"/>
-                                        </p:tgtEl>
-                                        <p:attrNameLst>
-                                          <p:attrName>style.visibility</p:attrName>
-                                        </p:attrNameLst>
-                                      </p:cBhvr>
-                                      <p:to>
-                                        <p:strVal val="visible"/>
-                                      </p:to>
-                                    </p:set>
-                                  </p:childTnLst>
-                                </p:cTn>
-                              </p:par>
-                              <p:par>
-                                <p:cTn id="9" presetID="1" presetClass="entr" presetSubtype="0" fill="hold" grpId="0" nodeType="withEffect">
-                                  <p:stCondLst>
-                                    <p:cond delay="0"/>
-                                  </p:stCondLst>
-                                  <p:childTnLst>
-                                    <p:set>
-                                      <p:cBhvr>
-                                        <p:cTn id="10" dur="1" fill="hold">
-                                          <p:stCondLst>
-                                            <p:cond delay="0"/>
-                                          </p:stCondLst>
-                                        </p:cTn>
-                                        <p:tgtEl>
-                                          <p:spTgt spid="29"/>
-                                        </p:tgtEl>
-                                        <p:attrNameLst>
-                                          <p:attrName>style.visibility</p:attrName>
-                                        </p:attrNameLst>
-                                      </p:cBhvr>
-                                      <p:to>
-                                        <p:strVal val="visible"/>
-                                      </p:to>
-                                    </p:set>
-                                  </p:childTnLst>
-                                </p:cTn>
-                              </p:par>
-                              <p:par>
-                                <p:cTn id="11" presetID="1" presetClass="exit" presetSubtype="0" fill="hold" grpId="0" nodeType="withEffect">
-                                  <p:stCondLst>
-                                    <p:cond delay="0"/>
-                                  </p:stCondLst>
-                                  <p:childTnLst>
-                                    <p:set>
-                                      <p:cBhvr>
-                                        <p:cTn id="12" dur="1" fill="hold">
-                                          <p:stCondLst>
-                                            <p:cond delay="0"/>
-                                          </p:stCondLst>
-                                        </p:cTn>
-                                        <p:tgtEl>
-                                          <p:spTgt spid="5"/>
-                                        </p:tgtEl>
-                                        <p:attrNameLst>
-                                          <p:attrName>style.visibility</p:attrName>
-                                        </p:attrNameLst>
-                                      </p:cBhvr>
-                                      <p:to>
-                                        <p:strVal val="hidden"/>
-                                      </p:to>
-                                    </p:set>
-                                  </p:childTnLst>
-                                </p:cTn>
-                              </p:par>
-                              <p:par>
-                                <p:cTn id="13" presetID="1" presetClass="exit" presetSubtype="0" fill="hold" grpId="0" nodeType="withEffect">
-                                  <p:stCondLst>
-                                    <p:cond delay="0"/>
-                                  </p:stCondLst>
-                                  <p:childTnLst>
-                                    <p:set>
-                                      <p:cBhvr>
-                                        <p:cTn id="14" dur="1" fill="hold">
-                                          <p:stCondLst>
-                                            <p:cond delay="0"/>
-                                          </p:stCondLst>
-                                        </p:cTn>
-                                        <p:tgtEl>
-                                          <p:spTgt spid="6"/>
-                                        </p:tgtEl>
-                                        <p:attrNameLst>
-                                          <p:attrName>style.visibility</p:attrName>
-                                        </p:attrNameLst>
-                                      </p:cBhvr>
-                                      <p:to>
-                                        <p:strVal val="hidden"/>
-                                      </p:to>
-                                    </p:set>
-                                  </p:childTnLst>
-                                </p:cTn>
-                              </p:par>
-                              <p:par>
-                                <p:cTn id="15" presetID="1" presetClass="exit" presetSubtype="0" fill="hold" grpId="0" nodeType="withEffect">
-                                  <p:stCondLst>
-                                    <p:cond delay="0"/>
-                                  </p:stCondLst>
-                                  <p:childTnLst>
-                                    <p:set>
-                                      <p:cBhvr>
-                                        <p:cTn id="16" dur="1" fill="hold">
-                                          <p:stCondLst>
-                                            <p:cond delay="0"/>
-                                          </p:stCondLst>
-                                        </p:cTn>
-                                        <p:tgtEl>
-                                          <p:spTgt spid="17"/>
-                                        </p:tgtEl>
-                                        <p:attrNameLst>
-                                          <p:attrName>style.visibility</p:attrName>
-                                        </p:attrNameLst>
-                                      </p:cBhvr>
-                                      <p:to>
-                                        <p:strVal val="hidden"/>
-                                      </p:to>
-                                    </p:set>
-                                  </p:childTnLst>
-                                </p:cTn>
-                              </p:par>
-                              <p:par>
-                                <p:cTn id="17" presetID="1" presetClass="exit" presetSubtype="0" fill="hold" grpId="0" nodeType="withEffect">
-                                  <p:stCondLst>
-                                    <p:cond delay="0"/>
-                                  </p:stCondLst>
-                                  <p:childTnLst>
-                                    <p:set>
-                                      <p:cBhvr>
-                                        <p:cTn id="18" dur="1" fill="hold">
-                                          <p:stCondLst>
-                                            <p:cond delay="0"/>
-                                          </p:stCondLst>
-                                        </p:cTn>
-                                        <p:tgtEl>
-                                          <p:spTgt spid="18"/>
-                                        </p:tgtEl>
-                                        <p:attrNameLst>
-                                          <p:attrName>style.visibility</p:attrName>
-                                        </p:attrNameLst>
-                                      </p:cBhvr>
-                                      <p:to>
-                                        <p:strVal val="hidden"/>
-                                      </p:to>
-                                    </p:set>
-                                  </p:childTnLst>
-                                </p:cTn>
-                              </p:par>
-                              <p:par>
-                                <p:cTn id="19" presetID="1" presetClass="exit" presetSubtype="0" fill="hold" grpId="0" nodeType="withEffect">
-                                  <p:stCondLst>
-                                    <p:cond delay="0"/>
-                                  </p:stCondLst>
-                                  <p:childTnLst>
-                                    <p:set>
-                                      <p:cBhvr>
-                                        <p:cTn id="20" dur="1" fill="hold">
-                                          <p:stCondLst>
-                                            <p:cond delay="0"/>
-                                          </p:stCondLst>
-                                        </p:cTn>
-                                        <p:tgtEl>
-                                          <p:spTgt spid="19"/>
-                                        </p:tgtEl>
-                                        <p:attrNameLst>
-                                          <p:attrName>style.visibility</p:attrName>
-                                        </p:attrNameLst>
-                                      </p:cBhvr>
-                                      <p:to>
-                                        <p:strVal val="hidden"/>
-                                      </p:to>
-                                    </p:set>
-                                  </p:childTnLst>
-                                </p:cTn>
-                              </p:par>
-                              <p:par>
-                                <p:cTn id="21" presetID="1" presetClass="exit" presetSubtype="0" fill="hold" grpId="0" nodeType="withEffect">
-                                  <p:stCondLst>
-                                    <p:cond delay="0"/>
-                                  </p:stCondLst>
-                                  <p:childTnLst>
-                                    <p:set>
-                                      <p:cBhvr>
-                                        <p:cTn id="22" dur="1" fill="hold">
-                                          <p:stCondLst>
-                                            <p:cond delay="0"/>
-                                          </p:stCondLst>
-                                        </p:cTn>
-                                        <p:tgtEl>
-                                          <p:spTgt spid="20"/>
-                                        </p:tgtEl>
-                                        <p:attrNameLst>
-                                          <p:attrName>style.visibility</p:attrName>
-                                        </p:attrNameLst>
-                                      </p:cBhvr>
-                                      <p:to>
-                                        <p:strVal val="hidden"/>
-                                      </p:to>
-                                    </p:set>
-                                  </p:childTnLst>
-                                </p:cTn>
-                              </p:par>
-                              <p:par>
-                                <p:cTn id="23" presetID="1" presetClass="exit" presetSubtype="0" fill="hold" grpId="1" nodeType="withEffect">
-                                  <p:stCondLst>
-                                    <p:cond delay="0"/>
-                                  </p:stCondLst>
-                                  <p:childTnLst>
-                                    <p:set>
-                                      <p:cBhvr>
-                                        <p:cTn id="24" dur="1" fill="hold">
-                                          <p:stCondLst>
-                                            <p:cond delay="0"/>
-                                          </p:stCondLst>
-                                        </p:cTn>
-                                        <p:tgtEl>
-                                          <p:spTgt spid="24"/>
-                                        </p:tgtEl>
-                                        <p:attrNameLst>
-                                          <p:attrName>style.visibility</p:attrName>
-                                        </p:attrNameLst>
-                                      </p:cBhvr>
-                                      <p:to>
-                                        <p:strVal val="hidden"/>
-                                      </p:to>
-                                    </p:set>
-                                  </p:childTnLst>
-                                </p:cTn>
-                              </p:par>
-                              <p:par>
-                                <p:cTn id="25" presetID="1" presetClass="exit" presetSubtype="0" fill="hold" grpId="1" nodeType="withEffect">
-                                  <p:stCondLst>
-                                    <p:cond delay="0"/>
-                                  </p:stCondLst>
-                                  <p:childTnLst>
-                                    <p:set>
-                                      <p:cBhvr>
-                                        <p:cTn id="26" dur="1" fill="hold">
-                                          <p:stCondLst>
-                                            <p:cond delay="0"/>
-                                          </p:stCondLst>
-                                        </p:cTn>
-                                        <p:tgtEl>
-                                          <p:spTgt spid="25"/>
-                                        </p:tgtEl>
-                                        <p:attrNameLst>
-                                          <p:attrName>style.visibility</p:attrName>
-                                        </p:attrNameLst>
-                                      </p:cBhvr>
-                                      <p:to>
-                                        <p:strVal val="hidden"/>
-                                      </p:to>
-                                    </p:set>
-                                  </p:childTnLst>
-                                </p:cTn>
-                              </p:par>
-                              <p:par>
-                                <p:cTn id="27" presetID="1" presetClass="exit" presetSubtype="0" fill="hold" grpId="1" nodeType="withEffect">
-                                  <p:stCondLst>
-                                    <p:cond delay="0"/>
-                                  </p:stCondLst>
-                                  <p:childTnLst>
-                                    <p:set>
-                                      <p:cBhvr>
-                                        <p:cTn id="28" dur="1" fill="hold">
-                                          <p:stCondLst>
-                                            <p:cond delay="0"/>
-                                          </p:stCondLst>
-                                        </p:cTn>
-                                        <p:tgtEl>
-                                          <p:spTgt spid="29"/>
-                                        </p:tgtEl>
-                                        <p:attrNameLst>
-                                          <p:attrName>style.visibility</p:attrName>
-                                        </p:attrNameLst>
-                                      </p:cBhvr>
-                                      <p:to>
-                                        <p:strVal val="hidden"/>
-                                      </p:to>
-                                    </p:set>
-                                  </p:childTnLst>
-                                </p:cTn>
-                              </p:par>
-                              <p:par>
-                                <p:cTn id="29" presetID="1" presetClass="exit" presetSubtype="0" fill="hold" grpId="0" nodeType="withEffect">
-                                  <p:stCondLst>
-                                    <p:cond delay="0"/>
-                                  </p:stCondLst>
-                                  <p:childTnLst>
-                                    <p:set>
-                                      <p:cBhvr>
-                                        <p:cTn id="30" dur="1" fill="hold">
-                                          <p:stCondLst>
-                                            <p:cond delay="0"/>
-                                          </p:stCondLst>
-                                        </p:cTn>
-                                        <p:tgtEl>
-                                          <p:spTgt spid="33"/>
-                                        </p:tgtEl>
-                                        <p:attrNameLst>
-                                          <p:attrName>style.visibility</p:attrName>
-                                        </p:attrNameLst>
-                                      </p:cBhvr>
-                                      <p:to>
-                                        <p:strVal val="hidden"/>
-                                      </p:to>
-                                    </p:set>
-                                  </p:childTnLst>
-                                </p:cTn>
-                              </p:par>
-                              <p:par>
-                                <p:cTn id="31" presetID="1" presetClass="exit" presetSubtype="0" fill="hold" grpId="0" nodeType="withEffect">
-                                  <p:stCondLst>
-                                    <p:cond delay="0"/>
-                                  </p:stCondLst>
-                                  <p:childTnLst>
-                                    <p:set>
-                                      <p:cBhvr>
-                                        <p:cTn id="32" dur="1" fill="hold">
-                                          <p:stCondLst>
-                                            <p:cond delay="0"/>
-                                          </p:stCondLst>
-                                        </p:cTn>
-                                        <p:tgtEl>
-                                          <p:spTgt spid="34"/>
-                                        </p:tgtEl>
-                                        <p:attrNameLst>
-                                          <p:attrName>style.visibility</p:attrName>
-                                        </p:attrNameLst>
-                                      </p:cBhvr>
-                                      <p:to>
-                                        <p:strVal val="hidden"/>
-                                      </p:to>
-                                    </p:set>
-                                  </p:childTnLst>
-                                </p:cTn>
-                              </p:par>
-                              <p:par>
-                                <p:cTn id="33" presetID="1" presetClass="exit" presetSubtype="0" fill="hold" grpId="0" nodeType="withEffect">
-                                  <p:stCondLst>
-                                    <p:cond delay="0"/>
-                                  </p:stCondLst>
-                                  <p:childTnLst>
-                                    <p:set>
-                                      <p:cBhvr>
-                                        <p:cTn id="34" dur="1" fill="hold">
-                                          <p:stCondLst>
-                                            <p:cond delay="0"/>
-                                          </p:stCondLst>
-                                        </p:cTn>
-                                        <p:tgtEl>
-                                          <p:spTgt spid="38"/>
-                                        </p:tgtEl>
-                                        <p:attrNameLst>
-                                          <p:attrName>style.visibility</p:attrName>
-                                        </p:attrNameLst>
-                                      </p:cBhvr>
-                                      <p:to>
-                                        <p:strVal val="hidden"/>
-                                      </p:to>
-                                    </p:set>
-                                  </p:childTnLst>
-                                </p:cTn>
-                              </p:par>
-                              <p:par>
-                                <p:cTn id="35" presetID="1" presetClass="exit" presetSubtype="0" fill="hold" grpId="0" nodeType="withEffect">
-                                  <p:stCondLst>
-                                    <p:cond delay="0"/>
-                                  </p:stCondLst>
-                                  <p:childTnLst>
-                                    <p:set>
-                                      <p:cBhvr>
-                                        <p:cTn id="36" dur="1" fill="hold">
-                                          <p:stCondLst>
-                                            <p:cond delay="0"/>
-                                          </p:stCondLst>
-                                        </p:cTn>
-                                        <p:tgtEl>
-                                          <p:spTgt spid="40"/>
-                                        </p:tgtEl>
-                                        <p:attrNameLst>
-                                          <p:attrName>style.visibility</p:attrName>
-                                        </p:attrNameLst>
-                                      </p:cBhvr>
-                                      <p:to>
-                                        <p:strVal val="hidden"/>
-                                      </p:to>
-                                    </p:set>
-                                  </p:childTnLst>
-                                </p:cTn>
-                              </p:par>
-                              <p:par>
-                                <p:cTn id="37" presetID="1" presetClass="exit" presetSubtype="0" fill="hold" grpId="0" nodeType="withEffect">
-                                  <p:stCondLst>
-                                    <p:cond delay="0"/>
-                                  </p:stCondLst>
-                                  <p:childTnLst>
-                                    <p:set>
-                                      <p:cBhvr>
-                                        <p:cTn id="38" dur="1" fill="hold">
-                                          <p:stCondLst>
-                                            <p:cond delay="0"/>
-                                          </p:stCondLst>
-                                        </p:cTn>
-                                        <p:tgtEl>
-                                          <p:spTgt spid="43"/>
-                                        </p:tgtEl>
-                                        <p:attrNameLst>
-                                          <p:attrName>style.visibility</p:attrName>
-                                        </p:attrNameLst>
-                                      </p:cBhvr>
-                                      <p:to>
-                                        <p:strVal val="hidden"/>
-                                      </p:to>
-                                    </p:set>
-                                  </p:childTnLst>
-                                </p:cTn>
-                              </p:par>
-                              <p:par>
-                                <p:cTn id="39" presetID="1" presetClass="exit" presetSubtype="0" fill="hold" grpId="0" nodeType="withEffect">
-                                  <p:stCondLst>
-                                    <p:cond delay="0"/>
-                                  </p:stCondLst>
-                                  <p:childTnLst>
-                                    <p:set>
-                                      <p:cBhvr>
-                                        <p:cTn id="40" dur="1" fill="hold">
-                                          <p:stCondLst>
-                                            <p:cond delay="0"/>
-                                          </p:stCondLst>
-                                        </p:cTn>
-                                        <p:tgtEl>
-                                          <p:spTgt spid="44"/>
-                                        </p:tgtEl>
-                                        <p:attrNameLst>
-                                          <p:attrName>style.visibility</p:attrName>
-                                        </p:attrNameLst>
-                                      </p:cBhvr>
-                                      <p:to>
-                                        <p:strVal val="hidden"/>
-                                      </p:to>
-                                    </p:set>
-                                  </p:childTnLst>
-                                </p:cTn>
-                              </p:par>
-                            </p:childTnLst>
-                          </p:cTn>
-                        </p:par>
-                      </p:childTnLst>
-                    </p:cTn>
-                  </p:par>
-                  <p:par>
-                    <p:cTn id="41" fill="hold">
-                      <p:stCondLst>
-                        <p:cond delay="indefinite"/>
-                      </p:stCondLst>
-                      <p:childTnLst>
-                        <p:par>
-                          <p:cTn id="42" fill="hold">
-                            <p:stCondLst>
-                              <p:cond delay="0"/>
-                            </p:stCondLst>
-                            <p:childTnLst>
-                              <p:par>
-                                <p:cTn id="43" presetID="1" presetClass="entr" presetSubtype="0" fill="hold" grpId="0" nodeType="clickEffect">
-                                  <p:stCondLst>
-                                    <p:cond delay="0"/>
-                                  </p:stCondLst>
-                                  <p:childTnLst>
-                                    <p:set>
-                                      <p:cBhvr>
-                                        <p:cTn id="44" dur="1" fill="hold">
-                                          <p:stCondLst>
-                                            <p:cond delay="0"/>
-                                          </p:stCondLst>
-                                        </p:cTn>
-                                        <p:tgtEl>
-                                          <p:spTgt spid="45"/>
-                                        </p:tgtEl>
-                                        <p:attrNameLst>
-                                          <p:attrName>style.visibility</p:attrName>
-                                        </p:attrNameLst>
-                                      </p:cBhvr>
-                                      <p:to>
-                                        <p:strVal val="visible"/>
-                                      </p:to>
-                                    </p:set>
-                                  </p:childTnLst>
-                                </p:cTn>
-                              </p:par>
-                              <p:par>
-                                <p:cTn id="45" presetID="1" presetClass="exit" presetSubtype="0" fill="hold" grpId="1" nodeType="withEffect">
-                                  <p:stCondLst>
-                                    <p:cond delay="0"/>
-                                  </p:stCondLst>
-                                  <p:childTnLst>
-                                    <p:set>
-                                      <p:cBhvr>
-                                        <p:cTn id="46" dur="1" fill="hold">
-                                          <p:stCondLst>
-                                            <p:cond delay="0"/>
-                                          </p:stCondLst>
-                                        </p:cTn>
-                                        <p:tgtEl>
-                                          <p:spTgt spid="45"/>
-                                        </p:tgtEl>
-                                        <p:attrNameLst>
-                                          <p:attrName>style.visibility</p:attrName>
-                                        </p:attrNameLst>
-                                      </p:cBhvr>
-                                      <p:to>
-                                        <p:strVal val="hidden"/>
-                                      </p:to>
-                                    </p:set>
-                                  </p:childTnLst>
-                                </p:cTn>
-                              </p:par>
-                              <p:par>
-                                <p:cTn id="47" presetID="1" presetClass="entr" presetSubtype="0" fill="hold" grpId="0" nodeType="withEffect">
-                                  <p:stCondLst>
-                                    <p:cond delay="0"/>
-                                  </p:stCondLst>
-                                  <p:childTnLst>
-                                    <p:set>
-                                      <p:cBhvr>
-                                        <p:cTn id="48" dur="1" fill="hold">
-                                          <p:stCondLst>
-                                            <p:cond delay="0"/>
-                                          </p:stCondLst>
-                                        </p:cTn>
-                                        <p:tgtEl>
-                                          <p:spTgt spid="47"/>
-                                        </p:tgtEl>
-                                        <p:attrNameLst>
-                                          <p:attrName>style.visibility</p:attrName>
-                                        </p:attrNameLst>
-                                      </p:cBhvr>
-                                      <p:to>
-                                        <p:strVal val="visible"/>
-                                      </p:to>
-                                    </p:set>
-                                  </p:childTnLst>
-                                </p:cTn>
-                              </p:par>
-                              <p:par>
-                                <p:cTn id="49" presetID="1" presetClass="exit" presetSubtype="0" fill="hold" grpId="1" nodeType="withEffect">
-                                  <p:stCondLst>
-                                    <p:cond delay="0"/>
-                                  </p:stCondLst>
-                                  <p:childTnLst>
-                                    <p:set>
-                                      <p:cBhvr>
-                                        <p:cTn id="50" dur="1" fill="hold">
-                                          <p:stCondLst>
-                                            <p:cond delay="0"/>
-                                          </p:stCondLst>
-                                        </p:cTn>
-                                        <p:tgtEl>
-                                          <p:spTgt spid="47"/>
-                                        </p:tgtEl>
-                                        <p:attrNameLst>
-                                          <p:attrName>style.visibility</p:attrName>
-                                        </p:attrNameLst>
-                                      </p:cBhvr>
-                                      <p:to>
-                                        <p:strVal val="hidden"/>
-                                      </p:to>
-                                    </p:set>
-                                  </p:childTnLst>
-                                </p:cTn>
-                              </p:par>
-                              <p:par>
-                                <p:cTn id="51" presetID="1" presetClass="exit" presetSubtype="0" fill="hold" grpId="0" nodeType="withEffect">
-                                  <p:stCondLst>
-                                    <p:cond delay="0"/>
-                                  </p:stCondLst>
-                                  <p:childTnLst>
-                                    <p:set>
-                                      <p:cBhvr>
-                                        <p:cTn id="52" dur="1" fill="hold">
-                                          <p:stCondLst>
-                                            <p:cond delay="0"/>
-                                          </p:stCondLst>
-                                        </p:cTn>
-                                        <p:tgtEl>
-                                          <p:spTgt spid="48"/>
-                                        </p:tgtEl>
-                                        <p:attrNameLst>
-                                          <p:attrName>style.visibility</p:attrName>
-                                        </p:attrNameLst>
-                                      </p:cBhvr>
-                                      <p:to>
-                                        <p:strVal val="hidden"/>
-                                      </p:to>
-                                    </p:set>
-                                  </p:childTnLst>
-                                </p:cTn>
-                              </p:par>
-                              <p:par>
-                                <p:cTn id="53" presetID="1" presetClass="entr" presetSubtype="0" fill="hold" grpId="0" nodeType="withEffect">
-                                  <p:stCondLst>
-                                    <p:cond delay="0"/>
-                                  </p:stCondLst>
-                                  <p:childTnLst>
-                                    <p:set>
-                                      <p:cBhvr>
-                                        <p:cTn id="54" dur="1" fill="hold">
-                                          <p:stCondLst>
-                                            <p:cond delay="0"/>
-                                          </p:stCondLst>
-                                        </p:cTn>
-                                        <p:tgtEl>
-                                          <p:spTgt spid="51"/>
-                                        </p:tgtEl>
-                                        <p:attrNameLst>
-                                          <p:attrName>style.visibility</p:attrName>
-                                        </p:attrNameLst>
-                                      </p:cBhvr>
-                                      <p:to>
-                                        <p:strVal val="visible"/>
-                                      </p:to>
-                                    </p:set>
-                                  </p:childTnLst>
-                                </p:cTn>
-                              </p:par>
-                              <p:par>
-                                <p:cTn id="55" presetID="1" presetClass="exit" presetSubtype="0" fill="hold" grpId="1" nodeType="withEffect">
-                                  <p:stCondLst>
-                                    <p:cond delay="0"/>
-                                  </p:stCondLst>
-                                  <p:childTnLst>
-                                    <p:set>
-                                      <p:cBhvr>
-                                        <p:cTn id="56" dur="1" fill="hold">
-                                          <p:stCondLst>
-                                            <p:cond delay="0"/>
-                                          </p:stCondLst>
-                                        </p:cTn>
-                                        <p:tgtEl>
-                                          <p:spTgt spid="51"/>
-                                        </p:tgtEl>
-                                        <p:attrNameLst>
-                                          <p:attrName>style.visibility</p:attrName>
-                                        </p:attrNameLst>
-                                      </p:cBhvr>
-                                      <p:to>
-                                        <p:strVal val="hidden"/>
-                                      </p:to>
-                                    </p:set>
-                                  </p:childTnLst>
-                                </p:cTn>
-                              </p:par>
-                              <p:par>
-                                <p:cTn id="57" presetID="1" presetClass="exit" presetSubtype="0" fill="hold" grpId="0" nodeType="withEffect">
-                                  <p:stCondLst>
-                                    <p:cond delay="0"/>
-                                  </p:stCondLst>
-                                  <p:childTnLst>
-                                    <p:set>
-                                      <p:cBhvr>
-                                        <p:cTn id="58" dur="1" fill="hold">
-                                          <p:stCondLst>
-                                            <p:cond delay="0"/>
-                                          </p:stCondLst>
-                                        </p:cTn>
-                                        <p:tgtEl>
-                                          <p:spTgt spid="30"/>
-                                        </p:tgtEl>
-                                        <p:attrNameLst>
-                                          <p:attrName>style.visibility</p:attrName>
-                                        </p:attrNameLst>
-                                      </p:cBhvr>
-                                      <p:to>
-                                        <p:strVal val="hidden"/>
-                                      </p:to>
-                                    </p:set>
-                                  </p:childTnLst>
-                                </p:cTn>
-                              </p:par>
-                            </p:childTnLst>
-                          </p:cTn>
-                        </p:par>
-                      </p:childTnLst>
-                    </p:cTn>
-                  </p:par>
-                </p:childTnLst>
-              </p:cTn>
-              <p:prevCondLst>
-                <p:cond evt="onPrev" delay="0">
-                  <p:tgtEl>
-                    <p:sldTgt/>
-                  </p:tgtEl>
-                </p:cond>
-              </p:prevCondLst>
-              <p:nextCondLst>
-                <p:cond evt="onNext" delay="0">
-                  <p:tgtEl>
-                    <p:sldTgt/>
-                  </p:tgtEl>
-                </p:cond>
-              </p:nextCondLst>
-            </p:seq>
-          </p:childTnLst>
-        </p:cTn>
-      </p:par>
-    </p:tnLst>
-    <p:bldLst>
-      <p:bldP spid="5" grpId="0" animBg="1"/>
-      <p:bldP spid="6" grpId="0" animBg="1"/>
-      <p:bldP spid="17" grpId="0" animBg="1"/>
-      <p:bldP spid="18" grpId="0" animBg="1"/>
-      <p:bldP spid="19" grpId="0" animBg="1"/>
-      <p:bldP spid="20" grpId="0" animBg="1"/>
-      <p:bldP spid="24" grpId="0" animBg="1"/>
-      <p:bldP spid="24" grpId="1" animBg="1"/>
-      <p:bldP spid="25" grpId="0"/>
-      <p:bldP spid="25" grpId="1"/>
-      <p:bldP spid="29" grpId="0"/>
-      <p:bldP spid="29" grpId="1"/>
-      <p:bldP spid="33" grpId="0" animBg="1"/>
-      <p:bldP spid="34" grpId="0" animBg="1"/>
-      <p:bldP spid="38" grpId="0"/>
-      <p:bldP spid="40" grpId="0" animBg="1"/>
-      <p:bldP spid="43" grpId="0" animBg="1"/>
-      <p:bldP spid="44" grpId="0" animBg="1"/>
-      <p:bldP spid="45" grpId="0" animBg="1"/>
-      <p:bldP spid="45" grpId="1" animBg="1"/>
-      <p:bldP spid="47" grpId="0"/>
-      <p:bldP spid="47" grpId="1"/>
-      <p:bldP spid="48" grpId="0" animBg="1"/>
-      <p:bldP spid="51" grpId="0"/>
-      <p:bldP spid="51" grpId="1"/>
-      <p:bldP spid="30" grpId="0" animBg="1"/>
-    </p:bldLst>
-  </p:timing>
 </p:sld>
 </file>
 
